--- a/PAH159 - Polestar PDP Add to Bag Module - Mobile - Test Plan.pptx
+++ b/PAH159 - Polestar PDP Add to Bag Module - Mobile - Test Plan.pptx
@@ -10,26 +10,32 @@
     <p:sldId id="257" r:id="rId7"/>
     <p:sldId id="262" r:id="rId8"/>
     <p:sldId id="286" r:id="rId9"/>
-    <p:sldId id="287" r:id="rId10"/>
-    <p:sldId id="288" r:id="rId11"/>
-    <p:sldId id="263" r:id="rId12"/>
-    <p:sldId id="264" r:id="rId13"/>
-    <p:sldId id="282" r:id="rId14"/>
-    <p:sldId id="507" r:id="rId15"/>
-    <p:sldId id="265" r:id="rId16"/>
+    <p:sldId id="509" r:id="rId10"/>
+    <p:sldId id="510" r:id="rId11"/>
+    <p:sldId id="287" r:id="rId12"/>
+    <p:sldId id="511" r:id="rId13"/>
+    <p:sldId id="508" r:id="rId14"/>
+    <p:sldId id="512" r:id="rId15"/>
+    <p:sldId id="288" r:id="rId16"/>
+    <p:sldId id="513" r:id="rId17"/>
+    <p:sldId id="263" r:id="rId18"/>
+    <p:sldId id="264" r:id="rId19"/>
+    <p:sldId id="282" r:id="rId20"/>
+    <p:sldId id="507" r:id="rId21"/>
+    <p:sldId id="265" r:id="rId22"/>
   </p:sldIdLst>
   <p:sldSz cx="12192000" cy="6858000"/>
   <p:notesSz cx="6858000" cy="9144000"/>
   <p:embeddedFontLst>
     <p:embeddedFont>
       <p:font typeface="Museo 300" panose="02000000000000000000" pitchFamily="50" charset="0"/>
-      <p:regular r:id="rId17"/>
-      <p:italic r:id="rId18"/>
+      <p:regular r:id="rId23"/>
+      <p:italic r:id="rId24"/>
     </p:embeddedFont>
     <p:embeddedFont>
       <p:font typeface="Museo 500" panose="02000000000000000000" pitchFamily="50" charset="0"/>
-      <p:regular r:id="rId19"/>
-      <p:italic r:id="rId20"/>
+      <p:regular r:id="rId25"/>
+      <p:italic r:id="rId26"/>
     </p:embeddedFont>
   </p:embeddedFontLst>
   <p:defaultTextStyle>
@@ -2412,6 +2418,483 @@
 </file>
 
 <file path=ppt/slideLayouts/slideLayout16.xml><?xml version="1.0" encoding="utf-8"?>
+<p:sldLayout xmlns:a="http://schemas.openxmlformats.org/drawingml/2006/main" xmlns:r="http://schemas.openxmlformats.org/officeDocument/2006/relationships" xmlns:p="http://schemas.openxmlformats.org/presentationml/2006/main" preserve="1" userDrawn="1">
+  <p:cSld name="1_Mobile Mock Up Large Callout">
+    <p:spTree>
+      <p:nvGrpSpPr>
+        <p:cNvPr id="1" name=""/>
+        <p:cNvGrpSpPr/>
+        <p:nvPr/>
+      </p:nvGrpSpPr>
+      <p:grpSpPr>
+        <a:xfrm>
+          <a:off x="0" y="0"/>
+          <a:ext cx="0" cy="0"/>
+          <a:chOff x="0" y="0"/>
+          <a:chExt cx="0" cy="0"/>
+        </a:xfrm>
+      </p:grpSpPr>
+      <p:sp>
+        <p:nvSpPr>
+          <p:cNvPr id="2" name="Title 1">
+            <a:extLst>
+              <a:ext uri="{FF2B5EF4-FFF2-40B4-BE49-F238E27FC236}">
+                <a16:creationId xmlns:a16="http://schemas.microsoft.com/office/drawing/2014/main" id="{9E7427AB-F1FB-4ED1-8FEF-D65D4E5D08CB}"/>
+              </a:ext>
+            </a:extLst>
+          </p:cNvPr>
+          <p:cNvSpPr>
+            <a:spLocks noGrp="1"/>
+          </p:cNvSpPr>
+          <p:nvPr>
+            <p:ph type="title"/>
+          </p:nvPr>
+        </p:nvSpPr>
+        <p:spPr/>
+        <p:txBody>
+          <a:bodyPr/>
+          <a:lstStyle/>
+          <a:p>
+            <a:r>
+              <a:rPr lang="en-US"/>
+              <a:t>Click to edit Master title style</a:t>
+            </a:r>
+            <a:endParaRPr lang="en-GB"/>
+          </a:p>
+        </p:txBody>
+      </p:sp>
+      <p:pic>
+        <p:nvPicPr>
+          <p:cNvPr id="8" name="Picture 2">
+            <a:extLst>
+              <a:ext uri="{FF2B5EF4-FFF2-40B4-BE49-F238E27FC236}">
+                <a16:creationId xmlns:a16="http://schemas.microsoft.com/office/drawing/2014/main" id="{3CA66AB3-F140-493C-A5F5-A16749C2BCAF}"/>
+              </a:ext>
+            </a:extLst>
+          </p:cNvPr>
+          <p:cNvPicPr>
+            <a:picLocks noChangeAspect="1" noChangeArrowheads="1"/>
+          </p:cNvPicPr>
+          <p:nvPr/>
+        </p:nvPicPr>
+        <p:blipFill rotWithShape="1">
+          <a:blip r:embed="rId2">
+            <a:extLst>
+              <a:ext uri="{28A0092B-C50C-407E-A947-70E740481C1C}">
+                <a14:useLocalDpi xmlns:a14="http://schemas.microsoft.com/office/drawing/2010/main" val="0"/>
+              </a:ext>
+            </a:extLst>
+          </a:blip>
+          <a:srcRect l="20278" r="20278"/>
+          <a:stretch/>
+        </p:blipFill>
+        <p:spPr bwMode="auto">
+          <a:xfrm>
+            <a:off x="1257985" y="1364567"/>
+            <a:ext cx="2904579" cy="4886211"/>
+          </a:xfrm>
+          <a:prstGeom prst="rect">
+            <a:avLst/>
+          </a:prstGeom>
+          <a:noFill/>
+          <a:extLst>
+            <a:ext uri="{909E8E84-426E-40DD-AFC4-6F175D3DCCD1}">
+              <a14:hiddenFill xmlns:a14="http://schemas.microsoft.com/office/drawing/2010/main">
+                <a:solidFill>
+                  <a:srgbClr val="FFFFFF"/>
+                </a:solidFill>
+              </a14:hiddenFill>
+            </a:ext>
+          </a:extLst>
+        </p:spPr>
+      </p:pic>
+      <p:sp>
+        <p:nvSpPr>
+          <p:cNvPr id="7" name="Picture Placeholder 8">
+            <a:extLst>
+              <a:ext uri="{FF2B5EF4-FFF2-40B4-BE49-F238E27FC236}">
+                <a16:creationId xmlns:a16="http://schemas.microsoft.com/office/drawing/2014/main" id="{2A0BC557-2237-42A5-AB7A-5D941C05160D}"/>
+              </a:ext>
+            </a:extLst>
+          </p:cNvPr>
+          <p:cNvSpPr>
+            <a:spLocks noGrp="1"/>
+          </p:cNvSpPr>
+          <p:nvPr>
+            <p:ph type="pic" sz="quarter" idx="13"/>
+          </p:nvPr>
+        </p:nvSpPr>
+        <p:spPr>
+          <a:xfrm>
+            <a:off x="1639805" y="1610591"/>
+            <a:ext cx="2026526" cy="4394161"/>
+          </a:xfrm>
+        </p:spPr>
+        <p:txBody>
+          <a:bodyPr/>
+          <a:lstStyle>
+            <a:lvl1pPr marL="0" indent="0">
+              <a:buNone/>
+              <a:defRPr/>
+            </a:lvl1pPr>
+          </a:lstStyle>
+          <a:p>
+            <a:r>
+              <a:rPr lang="en-US"/>
+              <a:t>Click icon to add picture</a:t>
+            </a:r>
+            <a:endParaRPr lang="en-GB"/>
+          </a:p>
+        </p:txBody>
+      </p:sp>
+      <p:sp>
+        <p:nvSpPr>
+          <p:cNvPr id="12" name="Rectangle 11">
+            <a:extLst>
+              <a:ext uri="{FF2B5EF4-FFF2-40B4-BE49-F238E27FC236}">
+                <a16:creationId xmlns:a16="http://schemas.microsoft.com/office/drawing/2014/main" id="{0AF1A2F7-D060-4006-84F9-A63D183697F3}"/>
+              </a:ext>
+            </a:extLst>
+          </p:cNvPr>
+          <p:cNvSpPr/>
+          <p:nvPr/>
+        </p:nvSpPr>
+        <p:spPr>
+          <a:xfrm>
+            <a:off x="415924" y="1163300"/>
+            <a:ext cx="1267619" cy="66675"/>
+          </a:xfrm>
+          <a:prstGeom prst="rect">
+            <a:avLst/>
+          </a:prstGeom>
+          <a:solidFill>
+            <a:srgbClr val="00551C"/>
+          </a:solidFill>
+          <a:ln>
+            <a:noFill/>
+          </a:ln>
+        </p:spPr>
+        <p:style>
+          <a:lnRef idx="2">
+            <a:schemeClr val="accent1">
+              <a:shade val="50000"/>
+            </a:schemeClr>
+          </a:lnRef>
+          <a:fillRef idx="1">
+            <a:schemeClr val="accent1"/>
+          </a:fillRef>
+          <a:effectRef idx="0">
+            <a:schemeClr val="accent1"/>
+          </a:effectRef>
+          <a:fontRef idx="minor">
+            <a:schemeClr val="lt1"/>
+          </a:fontRef>
+        </p:style>
+        <p:txBody>
+          <a:bodyPr rtlCol="0" anchor="ctr"/>
+          <a:lstStyle/>
+          <a:p>
+            <a:pPr algn="ctr"/>
+            <a:endParaRPr lang="en-GB"/>
+          </a:p>
+        </p:txBody>
+      </p:sp>
+      <p:sp>
+        <p:nvSpPr>
+          <p:cNvPr id="4" name="Text Placeholder 3">
+            <a:extLst>
+              <a:ext uri="{FF2B5EF4-FFF2-40B4-BE49-F238E27FC236}">
+                <a16:creationId xmlns:a16="http://schemas.microsoft.com/office/drawing/2014/main" id="{AD28DCC4-9D5B-4CDF-A5FB-C71107E90228}"/>
+              </a:ext>
+            </a:extLst>
+          </p:cNvPr>
+          <p:cNvSpPr>
+            <a:spLocks noGrp="1"/>
+          </p:cNvSpPr>
+          <p:nvPr>
+            <p:ph type="body" sz="quarter" idx="14"/>
+          </p:nvPr>
+        </p:nvSpPr>
+        <p:spPr>
+          <a:xfrm>
+            <a:off x="1639012" y="6249988"/>
+            <a:ext cx="2026526" cy="383725"/>
+          </a:xfrm>
+        </p:spPr>
+        <p:txBody>
+          <a:bodyPr/>
+          <a:lstStyle>
+            <a:lvl1pPr marL="0" indent="0" algn="ctr">
+              <a:buNone/>
+              <a:defRPr>
+                <a:latin typeface="+mj-lt"/>
+              </a:defRPr>
+            </a:lvl1pPr>
+          </a:lstStyle>
+          <a:p>
+            <a:pPr lvl="0"/>
+            <a:endParaRPr lang="en-GB" dirty="0"/>
+          </a:p>
+        </p:txBody>
+      </p:sp>
+      <p:pic>
+        <p:nvPicPr>
+          <p:cNvPr id="10" name="Picture 2">
+            <a:extLst>
+              <a:ext uri="{FF2B5EF4-FFF2-40B4-BE49-F238E27FC236}">
+                <a16:creationId xmlns:a16="http://schemas.microsoft.com/office/drawing/2014/main" id="{1B5371E0-EB6F-4F2C-92D2-8314CCC59396}"/>
+              </a:ext>
+            </a:extLst>
+          </p:cNvPr>
+          <p:cNvPicPr>
+            <a:picLocks noChangeAspect="1" noChangeArrowheads="1"/>
+          </p:cNvPicPr>
+          <p:nvPr userDrawn="1"/>
+        </p:nvPicPr>
+        <p:blipFill rotWithShape="1">
+          <a:blip r:embed="rId2">
+            <a:extLst>
+              <a:ext uri="{28A0092B-C50C-407E-A947-70E740481C1C}">
+                <a14:useLocalDpi xmlns:a14="http://schemas.microsoft.com/office/drawing/2010/main" val="0"/>
+              </a:ext>
+            </a:extLst>
+          </a:blip>
+          <a:srcRect l="20278" r="20278"/>
+          <a:stretch/>
+        </p:blipFill>
+        <p:spPr bwMode="auto">
+          <a:xfrm>
+            <a:off x="4704091" y="1364567"/>
+            <a:ext cx="2904579" cy="4886211"/>
+          </a:xfrm>
+          <a:prstGeom prst="rect">
+            <a:avLst/>
+          </a:prstGeom>
+          <a:noFill/>
+          <a:extLst>
+            <a:ext uri="{909E8E84-426E-40DD-AFC4-6F175D3DCCD1}">
+              <a14:hiddenFill xmlns:a14="http://schemas.microsoft.com/office/drawing/2010/main">
+                <a:solidFill>
+                  <a:srgbClr val="FFFFFF"/>
+                </a:solidFill>
+              </a14:hiddenFill>
+            </a:ext>
+          </a:extLst>
+        </p:spPr>
+      </p:pic>
+      <p:sp>
+        <p:nvSpPr>
+          <p:cNvPr id="11" name="Picture Placeholder 8">
+            <a:extLst>
+              <a:ext uri="{FF2B5EF4-FFF2-40B4-BE49-F238E27FC236}">
+                <a16:creationId xmlns:a16="http://schemas.microsoft.com/office/drawing/2014/main" id="{BBFD6545-7071-403D-BF57-C5387B30463A}"/>
+              </a:ext>
+            </a:extLst>
+          </p:cNvPr>
+          <p:cNvSpPr>
+            <a:spLocks noGrp="1"/>
+          </p:cNvSpPr>
+          <p:nvPr>
+            <p:ph type="pic" sz="quarter" idx="15"/>
+          </p:nvPr>
+        </p:nvSpPr>
+        <p:spPr>
+          <a:xfrm>
+            <a:off x="5085911" y="1610591"/>
+            <a:ext cx="2026526" cy="4394161"/>
+          </a:xfrm>
+        </p:spPr>
+        <p:txBody>
+          <a:bodyPr/>
+          <a:lstStyle>
+            <a:lvl1pPr marL="0" indent="0">
+              <a:buNone/>
+              <a:defRPr/>
+            </a:lvl1pPr>
+          </a:lstStyle>
+          <a:p>
+            <a:r>
+              <a:rPr lang="en-US" dirty="0"/>
+              <a:t>Click icon to add picture</a:t>
+            </a:r>
+            <a:endParaRPr lang="en-GB" dirty="0"/>
+          </a:p>
+        </p:txBody>
+      </p:sp>
+      <p:sp>
+        <p:nvSpPr>
+          <p:cNvPr id="13" name="Text Placeholder 3">
+            <a:extLst>
+              <a:ext uri="{FF2B5EF4-FFF2-40B4-BE49-F238E27FC236}">
+                <a16:creationId xmlns:a16="http://schemas.microsoft.com/office/drawing/2014/main" id="{724F521B-BBE9-4B57-A7DE-35E05C9962E5}"/>
+              </a:ext>
+            </a:extLst>
+          </p:cNvPr>
+          <p:cNvSpPr>
+            <a:spLocks noGrp="1"/>
+          </p:cNvSpPr>
+          <p:nvPr>
+            <p:ph type="body" sz="quarter" idx="16"/>
+          </p:nvPr>
+        </p:nvSpPr>
+        <p:spPr>
+          <a:xfrm>
+            <a:off x="5085118" y="6249988"/>
+            <a:ext cx="2026526" cy="383725"/>
+          </a:xfrm>
+        </p:spPr>
+        <p:txBody>
+          <a:bodyPr/>
+          <a:lstStyle>
+            <a:lvl1pPr marL="0" indent="0" algn="ctr">
+              <a:buNone/>
+              <a:defRPr>
+                <a:latin typeface="+mj-lt"/>
+              </a:defRPr>
+            </a:lvl1pPr>
+          </a:lstStyle>
+          <a:p>
+            <a:pPr lvl="0"/>
+            <a:endParaRPr lang="en-GB" dirty="0"/>
+          </a:p>
+        </p:txBody>
+      </p:sp>
+      <p:pic>
+        <p:nvPicPr>
+          <p:cNvPr id="14" name="Picture 2">
+            <a:extLst>
+              <a:ext uri="{FF2B5EF4-FFF2-40B4-BE49-F238E27FC236}">
+                <a16:creationId xmlns:a16="http://schemas.microsoft.com/office/drawing/2014/main" id="{286B8CF0-087A-482C-BED0-32DA8FC050A7}"/>
+              </a:ext>
+            </a:extLst>
+          </p:cNvPr>
+          <p:cNvPicPr>
+            <a:picLocks noChangeAspect="1" noChangeArrowheads="1"/>
+          </p:cNvPicPr>
+          <p:nvPr userDrawn="1"/>
+        </p:nvPicPr>
+        <p:blipFill rotWithShape="1">
+          <a:blip r:embed="rId2">
+            <a:extLst>
+              <a:ext uri="{28A0092B-C50C-407E-A947-70E740481C1C}">
+                <a14:useLocalDpi xmlns:a14="http://schemas.microsoft.com/office/drawing/2010/main" val="0"/>
+              </a:ext>
+            </a:extLst>
+          </a:blip>
+          <a:srcRect l="20278" r="20278"/>
+          <a:stretch/>
+        </p:blipFill>
+        <p:spPr bwMode="auto">
+          <a:xfrm>
+            <a:off x="8150197" y="1364567"/>
+            <a:ext cx="2904579" cy="4886211"/>
+          </a:xfrm>
+          <a:prstGeom prst="rect">
+            <a:avLst/>
+          </a:prstGeom>
+          <a:noFill/>
+          <a:extLst>
+            <a:ext uri="{909E8E84-426E-40DD-AFC4-6F175D3DCCD1}">
+              <a14:hiddenFill xmlns:a14="http://schemas.microsoft.com/office/drawing/2010/main">
+                <a:solidFill>
+                  <a:srgbClr val="FFFFFF"/>
+                </a:solidFill>
+              </a14:hiddenFill>
+            </a:ext>
+          </a:extLst>
+        </p:spPr>
+      </p:pic>
+      <p:sp>
+        <p:nvSpPr>
+          <p:cNvPr id="15" name="Picture Placeholder 8">
+            <a:extLst>
+              <a:ext uri="{FF2B5EF4-FFF2-40B4-BE49-F238E27FC236}">
+                <a16:creationId xmlns:a16="http://schemas.microsoft.com/office/drawing/2014/main" id="{07D38DA3-3BD5-4E10-B3B7-A5349FF05E73}"/>
+              </a:ext>
+            </a:extLst>
+          </p:cNvPr>
+          <p:cNvSpPr>
+            <a:spLocks noGrp="1"/>
+          </p:cNvSpPr>
+          <p:nvPr>
+            <p:ph type="pic" sz="quarter" idx="17"/>
+          </p:nvPr>
+        </p:nvSpPr>
+        <p:spPr>
+          <a:xfrm>
+            <a:off x="8532017" y="1610591"/>
+            <a:ext cx="2026526" cy="4394161"/>
+          </a:xfrm>
+        </p:spPr>
+        <p:txBody>
+          <a:bodyPr/>
+          <a:lstStyle>
+            <a:lvl1pPr marL="0" indent="0">
+              <a:buNone/>
+              <a:defRPr/>
+            </a:lvl1pPr>
+          </a:lstStyle>
+          <a:p>
+            <a:r>
+              <a:rPr lang="en-US"/>
+              <a:t>Click icon to add picture</a:t>
+            </a:r>
+            <a:endParaRPr lang="en-GB"/>
+          </a:p>
+        </p:txBody>
+      </p:sp>
+      <p:sp>
+        <p:nvSpPr>
+          <p:cNvPr id="16" name="Text Placeholder 3">
+            <a:extLst>
+              <a:ext uri="{FF2B5EF4-FFF2-40B4-BE49-F238E27FC236}">
+                <a16:creationId xmlns:a16="http://schemas.microsoft.com/office/drawing/2014/main" id="{24A0528E-0444-426B-929D-C934E04849E5}"/>
+              </a:ext>
+            </a:extLst>
+          </p:cNvPr>
+          <p:cNvSpPr>
+            <a:spLocks noGrp="1"/>
+          </p:cNvSpPr>
+          <p:nvPr>
+            <p:ph type="body" sz="quarter" idx="18"/>
+          </p:nvPr>
+        </p:nvSpPr>
+        <p:spPr>
+          <a:xfrm>
+            <a:off x="8531224" y="6249988"/>
+            <a:ext cx="2026526" cy="383725"/>
+          </a:xfrm>
+        </p:spPr>
+        <p:txBody>
+          <a:bodyPr/>
+          <a:lstStyle>
+            <a:lvl1pPr marL="0" indent="0" algn="ctr">
+              <a:buNone/>
+              <a:defRPr>
+                <a:latin typeface="+mj-lt"/>
+              </a:defRPr>
+            </a:lvl1pPr>
+          </a:lstStyle>
+          <a:p>
+            <a:pPr lvl="0"/>
+            <a:endParaRPr lang="en-GB" dirty="0"/>
+          </a:p>
+        </p:txBody>
+      </p:sp>
+    </p:spTree>
+    <p:extLst>
+      <p:ext uri="{BB962C8B-B14F-4D97-AF65-F5344CB8AC3E}">
+        <p14:creationId xmlns:p14="http://schemas.microsoft.com/office/powerpoint/2010/main" val="612245257"/>
+      </p:ext>
+    </p:extLst>
+  </p:cSld>
+  <p:clrMapOvr>
+    <a:masterClrMapping/>
+  </p:clrMapOvr>
+</p:sldLayout>
+</file>
+
+<file path=ppt/slideLayouts/slideLayout17.xml><?xml version="1.0" encoding="utf-8"?>
 <p:sldLayout xmlns:a="http://schemas.openxmlformats.org/drawingml/2006/main" xmlns:r="http://schemas.openxmlformats.org/officeDocument/2006/relationships" xmlns:p="http://schemas.openxmlformats.org/presentationml/2006/main" preserve="1">
   <p:cSld name="Section Slide">
     <p:bg>
@@ -2706,7 +3189,7 @@
 </p:sldLayout>
 </file>
 
-<file path=ppt/slideLayouts/slideLayout17.xml><?xml version="1.0" encoding="utf-8"?>
+<file path=ppt/slideLayouts/slideLayout18.xml><?xml version="1.0" encoding="utf-8"?>
 <p:sldLayout xmlns:a="http://schemas.openxmlformats.org/drawingml/2006/main" xmlns:r="http://schemas.openxmlformats.org/officeDocument/2006/relationships" xmlns:p="http://schemas.openxmlformats.org/presentationml/2006/main" preserve="1">
   <p:cSld name="Section Slide -- Alt">
     <p:bg>
@@ -6566,8 +7049,9 @@
     <p:sldLayoutId id="2147483657" r:id="rId13"/>
     <p:sldLayoutId id="2147483659" r:id="rId14"/>
     <p:sldLayoutId id="2147483658" r:id="rId15"/>
-    <p:sldLayoutId id="2147483663" r:id="rId16"/>
-    <p:sldLayoutId id="2147483664" r:id="rId17"/>
+    <p:sldLayoutId id="2147483669" r:id="rId16"/>
+    <p:sldLayoutId id="2147483663" r:id="rId17"/>
+    <p:sldLayoutId id="2147483664" r:id="rId18"/>
   </p:sldLayoutIdLst>
   <p:txStyles>
     <p:titleStyle>
@@ -6988,7 +7472,7 @@
           <p:cNvPr id="4" name="Title 3">
             <a:extLst>
               <a:ext uri="{FF2B5EF4-FFF2-40B4-BE49-F238E27FC236}">
-                <a16:creationId xmlns:a16="http://schemas.microsoft.com/office/drawing/2014/main" id="{11CC4622-B908-4E66-94A5-7E83999FFC99}"/>
+                <a16:creationId xmlns:a16="http://schemas.microsoft.com/office/drawing/2014/main" id="{7597C524-C8AA-4A4C-8631-320613A3C492}"/>
               </a:ext>
             </a:extLst>
           </p:cNvPr>
@@ -7005,8 +7489,8 @@
           <a:lstStyle/>
           <a:p>
             <a:r>
-              <a:rPr lang="en-GB"/>
-              <a:t>Tracking</a:t>
+              <a:rPr lang="en-GB" dirty="0"/>
+              <a:t>Variation 2</a:t>
             </a:r>
           </a:p>
         </p:txBody>
@@ -7016,7 +7500,7 @@
           <p:cNvPr id="5" name="Text Placeholder 4">
             <a:extLst>
               <a:ext uri="{FF2B5EF4-FFF2-40B4-BE49-F238E27FC236}">
-                <a16:creationId xmlns:a16="http://schemas.microsoft.com/office/drawing/2014/main" id="{4FF318E6-AF10-45B7-9E92-E90FCE7D49E3}"/>
+                <a16:creationId xmlns:a16="http://schemas.microsoft.com/office/drawing/2014/main" id="{E2D30252-B82D-4B28-AAF3-989808C957AB}"/>
               </a:ext>
             </a:extLst>
           </p:cNvPr>
@@ -7027,55 +7511,129 @@
             <p:ph type="body" sz="quarter" idx="12"/>
           </p:nvPr>
         </p:nvSpPr>
-        <p:spPr>
-          <a:xfrm>
-            <a:off x="422049" y="4152629"/>
-            <a:ext cx="11522075" cy="561976"/>
-          </a:xfrm>
-        </p:spPr>
-        <p:txBody>
-          <a:bodyPr/>
-          <a:lstStyle/>
-          <a:p>
-            <a:r>
-              <a:rPr lang="en-GB"/>
-              <a:t>Segment, Dimension, &amp; Metric Definitions</a:t>
-            </a:r>
-          </a:p>
-        </p:txBody>
-      </p:sp>
-      <p:sp>
-        <p:nvSpPr>
-          <p:cNvPr id="6" name="Text Placeholder 5">
-            <a:extLst>
-              <a:ext uri="{FF2B5EF4-FFF2-40B4-BE49-F238E27FC236}">
-                <a16:creationId xmlns:a16="http://schemas.microsoft.com/office/drawing/2014/main" id="{0161C532-39C8-4923-B5C5-7ECCFD41ACE4}"/>
-              </a:ext>
-            </a:extLst>
-          </p:cNvPr>
-          <p:cNvSpPr>
-            <a:spLocks noGrp="1"/>
-          </p:cNvSpPr>
-          <p:nvPr>
-            <p:ph type="body" sz="quarter" idx="13"/>
-          </p:nvPr>
-        </p:nvSpPr>
         <p:spPr/>
         <p:txBody>
-          <a:bodyPr/>
-          <a:lstStyle/>
-          <a:p>
-            <a:r>
-              <a:rPr lang="en-GB"/>
-              <a:t>4</a:t>
-            </a:r>
-          </a:p>
-        </p:txBody>
-      </p:sp>
+          <a:bodyPr>
+            <a:normAutofit/>
+          </a:bodyPr>
+          <a:lstStyle/>
+          <a:p>
+            <a:pPr marL="0" indent="0">
+              <a:buNone/>
+            </a:pPr>
+            <a:r>
+              <a:rPr lang="en-GB" dirty="0">
+                <a:latin typeface="+mj-lt"/>
+              </a:rPr>
+              <a:t>What are we changing?</a:t>
+            </a:r>
+          </a:p>
+          <a:p>
+            <a:r>
+              <a:rPr lang="en-GB" dirty="0">
+                <a:sym typeface="Roboto Slab"/>
+              </a:rPr>
+              <a:t>PDP</a:t>
+            </a:r>
+          </a:p>
+          <a:p>
+            <a:pPr lvl="1"/>
+            <a:r>
+              <a:rPr lang="en-GB" dirty="0">
+                <a:sym typeface="Roboto Slab"/>
+              </a:rPr>
+              <a:t>Single Add to basket CTA</a:t>
+            </a:r>
+          </a:p>
+          <a:p>
+            <a:r>
+              <a:rPr lang="en-GB" dirty="0">
+                <a:sym typeface="Roboto Slab"/>
+              </a:rPr>
+              <a:t>Basket</a:t>
+            </a:r>
+          </a:p>
+          <a:p>
+            <a:pPr lvl="1"/>
+            <a:r>
+              <a:rPr lang="en-GB" dirty="0">
+                <a:sym typeface="Roboto Slab"/>
+              </a:rPr>
+              <a:t>Add additional messaging below “Delivery options can be selected at checkout.”</a:t>
+            </a:r>
+          </a:p>
+          <a:p>
+            <a:r>
+              <a:rPr lang="en-GB" dirty="0">
+                <a:sym typeface="Roboto Slab"/>
+              </a:rPr>
+              <a:t>Checkout</a:t>
+            </a:r>
+          </a:p>
+          <a:p>
+            <a:pPr lvl="1"/>
+            <a:r>
+              <a:rPr lang="en-GB" dirty="0">
+                <a:sym typeface="Roboto Slab"/>
+              </a:rPr>
+              <a:t>Preselects C&amp;C method if delivery and C&amp;C available.</a:t>
+            </a:r>
+          </a:p>
+          <a:p>
+            <a:pPr lvl="1"/>
+            <a:r>
+              <a:rPr lang="en-GB" dirty="0"/>
+              <a:t>Reverts to default, control, experience if one of the delivery methods isn’t available</a:t>
+            </a:r>
+          </a:p>
+          <a:p>
+            <a:endParaRPr lang="en-GB" dirty="0"/>
+          </a:p>
+        </p:txBody>
+      </p:sp>
+      <p:pic>
+        <p:nvPicPr>
+          <p:cNvPr id="6" name="Picture Placeholder 5" descr="Graphical user interface, text, application, chat or text message&#10;&#10;Description automatically generated">
+            <a:extLst>
+              <a:ext uri="{FF2B5EF4-FFF2-40B4-BE49-F238E27FC236}">
+                <a16:creationId xmlns:a16="http://schemas.microsoft.com/office/drawing/2014/main" id="{AB1AB466-C428-480D-95AD-9FA076A7BF97}"/>
+              </a:ext>
+            </a:extLst>
+          </p:cNvPr>
+          <p:cNvPicPr>
+            <a:picLocks noGrp="1" noChangeAspect="1"/>
+          </p:cNvPicPr>
+          <p:nvPr>
+            <p:ph type="pic" sz="quarter" idx="13"/>
+          </p:nvPr>
+        </p:nvPicPr>
+        <p:blipFill rotWithShape="1">
+          <a:blip r:embed="rId2">
+            <a:extLst>
+              <a:ext uri="{28A0092B-C50C-407E-A947-70E740481C1C}">
+                <a14:useLocalDpi xmlns:a14="http://schemas.microsoft.com/office/drawing/2010/main" val="0"/>
+              </a:ext>
+            </a:extLst>
+          </a:blip>
+          <a:srcRect t="26015" b="26015"/>
+          <a:stretch/>
+        </p:blipFill>
+        <p:spPr>
+          <a:xfrm>
+            <a:off x="7734300" y="333375"/>
+            <a:ext cx="2838450" cy="6191250"/>
+          </a:xfrm>
+          <a:prstGeom prst="roundRect">
+            <a:avLst>
+              <a:gd name="adj" fmla="val 8857"/>
+            </a:avLst>
+          </a:prstGeom>
+        </p:spPr>
+      </p:pic>
     </p:spTree>
     <p:extLst>
       <p:ext uri="{BB962C8B-B14F-4D97-AF65-F5344CB8AC3E}">
-        <p14:creationId xmlns:p14="http://schemas.microsoft.com/office/powerpoint/2010/main" val="539239377"/>
+        <p14:creationId xmlns:p14="http://schemas.microsoft.com/office/powerpoint/2010/main" val="328109399"/>
       </p:ext>
     </p:extLst>
   </p:cSld>
@@ -7107,6 +7665,1307 @@
           <p:cNvPr id="2" name="Title 1">
             <a:extLst>
               <a:ext uri="{FF2B5EF4-FFF2-40B4-BE49-F238E27FC236}">
+                <a16:creationId xmlns:a16="http://schemas.microsoft.com/office/drawing/2014/main" id="{DFC72419-A42A-495F-910E-2629ACB6FC45}"/>
+              </a:ext>
+            </a:extLst>
+          </p:cNvPr>
+          <p:cNvSpPr>
+            <a:spLocks noGrp="1"/>
+          </p:cNvSpPr>
+          <p:nvPr>
+            <p:ph type="title"/>
+          </p:nvPr>
+        </p:nvSpPr>
+        <p:spPr/>
+        <p:txBody>
+          <a:bodyPr/>
+          <a:lstStyle/>
+          <a:p>
+            <a:r>
+              <a:rPr lang="en-GB" dirty="0"/>
+              <a:t>Variation 2</a:t>
+            </a:r>
+          </a:p>
+        </p:txBody>
+      </p:sp>
+      <p:sp>
+        <p:nvSpPr>
+          <p:cNvPr id="4" name="Text Placeholder 3">
+            <a:extLst>
+              <a:ext uri="{FF2B5EF4-FFF2-40B4-BE49-F238E27FC236}">
+                <a16:creationId xmlns:a16="http://schemas.microsoft.com/office/drawing/2014/main" id="{E05DDAE9-5C5C-4AA7-B425-7783E627FBE4}"/>
+              </a:ext>
+            </a:extLst>
+          </p:cNvPr>
+          <p:cNvSpPr>
+            <a:spLocks noGrp="1"/>
+          </p:cNvSpPr>
+          <p:nvPr>
+            <p:ph type="body" sz="quarter" idx="14"/>
+          </p:nvPr>
+        </p:nvSpPr>
+        <p:spPr/>
+        <p:txBody>
+          <a:bodyPr/>
+          <a:lstStyle/>
+          <a:p>
+            <a:r>
+              <a:rPr lang="en-GB" dirty="0"/>
+              <a:t>PDP</a:t>
+            </a:r>
+          </a:p>
+        </p:txBody>
+      </p:sp>
+      <p:sp>
+        <p:nvSpPr>
+          <p:cNvPr id="6" name="Text Placeholder 5">
+            <a:extLst>
+              <a:ext uri="{FF2B5EF4-FFF2-40B4-BE49-F238E27FC236}">
+                <a16:creationId xmlns:a16="http://schemas.microsoft.com/office/drawing/2014/main" id="{5058FBD7-37FF-4F8A-9DC8-6198E2FF23F4}"/>
+              </a:ext>
+            </a:extLst>
+          </p:cNvPr>
+          <p:cNvSpPr>
+            <a:spLocks noGrp="1"/>
+          </p:cNvSpPr>
+          <p:nvPr>
+            <p:ph type="body" sz="quarter" idx="16"/>
+          </p:nvPr>
+        </p:nvSpPr>
+        <p:spPr/>
+        <p:txBody>
+          <a:bodyPr/>
+          <a:lstStyle/>
+          <a:p>
+            <a:r>
+              <a:rPr lang="en-GB" dirty="0"/>
+              <a:t>Basket</a:t>
+            </a:r>
+          </a:p>
+        </p:txBody>
+      </p:sp>
+      <p:pic>
+        <p:nvPicPr>
+          <p:cNvPr id="7" name="Picture Placeholder 6">
+            <a:extLst>
+              <a:ext uri="{FF2B5EF4-FFF2-40B4-BE49-F238E27FC236}">
+                <a16:creationId xmlns:a16="http://schemas.microsoft.com/office/drawing/2014/main" id="{1DC7D523-40AF-44C9-8EB7-B9275CAD9FB1}"/>
+              </a:ext>
+            </a:extLst>
+          </p:cNvPr>
+          <p:cNvPicPr>
+            <a:picLocks noGrp="1" noChangeAspect="1"/>
+          </p:cNvPicPr>
+          <p:nvPr>
+            <p:ph type="pic" sz="quarter" idx="17"/>
+          </p:nvPr>
+        </p:nvPicPr>
+        <p:blipFill rotWithShape="1">
+          <a:blip r:embed="rId2"/>
+          <a:srcRect l="545" r="545"/>
+          <a:stretch/>
+        </p:blipFill>
+        <p:spPr>
+          <a:prstGeom prst="roundRect">
+            <a:avLst>
+              <a:gd name="adj" fmla="val 7096"/>
+            </a:avLst>
+          </a:prstGeom>
+        </p:spPr>
+      </p:pic>
+      <p:sp>
+        <p:nvSpPr>
+          <p:cNvPr id="11" name="Text Placeholder 10">
+            <a:extLst>
+              <a:ext uri="{FF2B5EF4-FFF2-40B4-BE49-F238E27FC236}">
+                <a16:creationId xmlns:a16="http://schemas.microsoft.com/office/drawing/2014/main" id="{075A483E-8F5E-4E02-82E8-082FA425151B}"/>
+              </a:ext>
+            </a:extLst>
+          </p:cNvPr>
+          <p:cNvSpPr>
+            <a:spLocks noGrp="1"/>
+          </p:cNvSpPr>
+          <p:nvPr>
+            <p:ph type="body" sz="quarter" idx="18"/>
+          </p:nvPr>
+        </p:nvSpPr>
+        <p:spPr>
+          <a:xfrm>
+            <a:off x="8179527" y="6249988"/>
+            <a:ext cx="2731506" cy="383725"/>
+          </a:xfrm>
+        </p:spPr>
+        <p:txBody>
+          <a:bodyPr>
+            <a:normAutofit/>
+          </a:bodyPr>
+          <a:lstStyle/>
+          <a:p>
+            <a:r>
+              <a:rPr lang="en-GB" dirty="0"/>
+              <a:t>Checkout Delivery Selection</a:t>
+            </a:r>
+          </a:p>
+        </p:txBody>
+      </p:sp>
+      <p:pic>
+        <p:nvPicPr>
+          <p:cNvPr id="12" name="Picture Placeholder 5" descr="Graphical user interface, text, application, chat or text message&#10;&#10;Description automatically generated">
+            <a:extLst>
+              <a:ext uri="{FF2B5EF4-FFF2-40B4-BE49-F238E27FC236}">
+                <a16:creationId xmlns:a16="http://schemas.microsoft.com/office/drawing/2014/main" id="{973E4A12-E721-4627-A26D-209974D6EC14}"/>
+              </a:ext>
+            </a:extLst>
+          </p:cNvPr>
+          <p:cNvPicPr>
+            <a:picLocks noGrp="1" noChangeAspect="1"/>
+          </p:cNvPicPr>
+          <p:nvPr>
+            <p:ph type="pic" sz="quarter" idx="13"/>
+          </p:nvPr>
+        </p:nvPicPr>
+        <p:blipFill rotWithShape="1">
+          <a:blip r:embed="rId3">
+            <a:extLst>
+              <a:ext uri="{28A0092B-C50C-407E-A947-70E740481C1C}">
+                <a14:useLocalDpi xmlns:a14="http://schemas.microsoft.com/office/drawing/2010/main" val="0"/>
+              </a:ext>
+            </a:extLst>
+          </a:blip>
+          <a:srcRect t="26146" b="26146"/>
+          <a:stretch/>
+        </p:blipFill>
+        <p:spPr>
+          <a:xfrm>
+            <a:off x="1639888" y="1611313"/>
+            <a:ext cx="2025650" cy="4394200"/>
+          </a:xfrm>
+          <a:prstGeom prst="roundRect">
+            <a:avLst>
+              <a:gd name="adj" fmla="val 8857"/>
+            </a:avLst>
+          </a:prstGeom>
+        </p:spPr>
+      </p:pic>
+      <p:pic>
+        <p:nvPicPr>
+          <p:cNvPr id="9" name="Picture Placeholder 6">
+            <a:extLst>
+              <a:ext uri="{FF2B5EF4-FFF2-40B4-BE49-F238E27FC236}">
+                <a16:creationId xmlns:a16="http://schemas.microsoft.com/office/drawing/2014/main" id="{F5097869-7723-42C3-9F33-516FDF4A5331}"/>
+              </a:ext>
+            </a:extLst>
+          </p:cNvPr>
+          <p:cNvPicPr>
+            <a:picLocks noGrp="1" noChangeAspect="1"/>
+          </p:cNvPicPr>
+          <p:nvPr>
+            <p:ph type="pic" sz="quarter" idx="15"/>
+          </p:nvPr>
+        </p:nvPicPr>
+        <p:blipFill rotWithShape="1">
+          <a:blip r:embed="rId4"/>
+          <a:srcRect l="256" r="256"/>
+          <a:stretch/>
+        </p:blipFill>
+        <p:spPr>
+          <a:xfrm>
+            <a:off x="5086350" y="1611313"/>
+            <a:ext cx="2025650" cy="4394200"/>
+          </a:xfrm>
+          <a:prstGeom prst="roundRect">
+            <a:avLst>
+              <a:gd name="adj" fmla="val 9508"/>
+            </a:avLst>
+          </a:prstGeom>
+        </p:spPr>
+      </p:pic>
+    </p:spTree>
+    <p:extLst>
+      <p:ext uri="{BB962C8B-B14F-4D97-AF65-F5344CB8AC3E}">
+        <p14:creationId xmlns:p14="http://schemas.microsoft.com/office/powerpoint/2010/main" val="906129268"/>
+      </p:ext>
+    </p:extLst>
+  </p:cSld>
+  <p:clrMapOvr>
+    <a:masterClrMapping/>
+  </p:clrMapOvr>
+</p:sld>
+</file>
+
+<file path=ppt/slides/slide12.xml><?xml version="1.0" encoding="utf-8"?>
+<p:sld xmlns:a="http://schemas.openxmlformats.org/drawingml/2006/main" xmlns:r="http://schemas.openxmlformats.org/officeDocument/2006/relationships" xmlns:p="http://schemas.openxmlformats.org/presentationml/2006/main">
+  <p:cSld>
+    <p:spTree>
+      <p:nvGrpSpPr>
+        <p:cNvPr id="1" name=""/>
+        <p:cNvGrpSpPr/>
+        <p:nvPr/>
+      </p:nvGrpSpPr>
+      <p:grpSpPr>
+        <a:xfrm>
+          <a:off x="0" y="0"/>
+          <a:ext cx="0" cy="0"/>
+          <a:chOff x="0" y="0"/>
+          <a:chExt cx="0" cy="0"/>
+        </a:xfrm>
+      </p:grpSpPr>
+      <p:sp>
+        <p:nvSpPr>
+          <p:cNvPr id="4" name="Title 3">
+            <a:extLst>
+              <a:ext uri="{FF2B5EF4-FFF2-40B4-BE49-F238E27FC236}">
+                <a16:creationId xmlns:a16="http://schemas.microsoft.com/office/drawing/2014/main" id="{7597C524-C8AA-4A4C-8631-320613A3C492}"/>
+              </a:ext>
+            </a:extLst>
+          </p:cNvPr>
+          <p:cNvSpPr>
+            <a:spLocks noGrp="1"/>
+          </p:cNvSpPr>
+          <p:nvPr>
+            <p:ph type="title"/>
+          </p:nvPr>
+        </p:nvSpPr>
+        <p:spPr/>
+        <p:txBody>
+          <a:bodyPr/>
+          <a:lstStyle/>
+          <a:p>
+            <a:r>
+              <a:rPr lang="en-GB"/>
+              <a:t>Variation 3</a:t>
+            </a:r>
+            <a:endParaRPr lang="en-GB" dirty="0"/>
+          </a:p>
+        </p:txBody>
+      </p:sp>
+      <p:sp>
+        <p:nvSpPr>
+          <p:cNvPr id="5" name="Text Placeholder 4">
+            <a:extLst>
+              <a:ext uri="{FF2B5EF4-FFF2-40B4-BE49-F238E27FC236}">
+                <a16:creationId xmlns:a16="http://schemas.microsoft.com/office/drawing/2014/main" id="{E2D30252-B82D-4B28-AAF3-989808C957AB}"/>
+              </a:ext>
+            </a:extLst>
+          </p:cNvPr>
+          <p:cNvSpPr>
+            <a:spLocks noGrp="1"/>
+          </p:cNvSpPr>
+          <p:nvPr>
+            <p:ph type="body" sz="quarter" idx="12"/>
+          </p:nvPr>
+        </p:nvSpPr>
+        <p:spPr/>
+        <p:txBody>
+          <a:bodyPr>
+            <a:normAutofit/>
+          </a:bodyPr>
+          <a:lstStyle/>
+          <a:p>
+            <a:pPr marL="0" indent="0">
+              <a:buNone/>
+            </a:pPr>
+            <a:r>
+              <a:rPr lang="en-GB" dirty="0">
+                <a:latin typeface="+mj-lt"/>
+              </a:rPr>
+              <a:t>What are we changing?</a:t>
+            </a:r>
+          </a:p>
+          <a:p>
+            <a:r>
+              <a:rPr lang="en-GB" dirty="0">
+                <a:sym typeface="Roboto Slab"/>
+              </a:rPr>
+              <a:t>PDP</a:t>
+            </a:r>
+          </a:p>
+          <a:p>
+            <a:pPr lvl="1"/>
+            <a:r>
+              <a:rPr lang="en-GB" dirty="0">
+                <a:sym typeface="Roboto Slab"/>
+              </a:rPr>
+              <a:t>Single Add to basket CTA</a:t>
+            </a:r>
+          </a:p>
+          <a:p>
+            <a:r>
+              <a:rPr lang="en-GB" dirty="0">
+                <a:sym typeface="Roboto Slab"/>
+              </a:rPr>
+              <a:t>Basket</a:t>
+            </a:r>
+          </a:p>
+          <a:p>
+            <a:pPr lvl="1"/>
+            <a:r>
+              <a:rPr lang="en-GB" dirty="0">
+                <a:sym typeface="Roboto Slab"/>
+              </a:rPr>
+              <a:t>Add additional messaging below “Delivery options can be selected at checkout.”</a:t>
+            </a:r>
+          </a:p>
+          <a:p>
+            <a:r>
+              <a:rPr lang="en-GB" dirty="0">
+                <a:sym typeface="Roboto Slab"/>
+              </a:rPr>
+              <a:t>Checkout</a:t>
+            </a:r>
+          </a:p>
+          <a:p>
+            <a:pPr lvl="1"/>
+            <a:r>
+              <a:rPr lang="en-GB" dirty="0">
+                <a:sym typeface="Roboto Slab"/>
+              </a:rPr>
+              <a:t>Preselects delivery method if delivery and C&amp;C available.</a:t>
+            </a:r>
+          </a:p>
+          <a:p>
+            <a:pPr lvl="1"/>
+            <a:r>
+              <a:rPr lang="en-GB" dirty="0"/>
+              <a:t>Reverts to default, control, experience if one of the delivery methods isn’t available</a:t>
+            </a:r>
+          </a:p>
+          <a:p>
+            <a:endParaRPr lang="en-GB" dirty="0"/>
+          </a:p>
+        </p:txBody>
+      </p:sp>
+      <p:pic>
+        <p:nvPicPr>
+          <p:cNvPr id="6" name="Picture Placeholder 5" descr="Graphical user interface, text, application, chat or text message&#10;&#10;Description automatically generated">
+            <a:extLst>
+              <a:ext uri="{FF2B5EF4-FFF2-40B4-BE49-F238E27FC236}">
+                <a16:creationId xmlns:a16="http://schemas.microsoft.com/office/drawing/2014/main" id="{AB1AB466-C428-480D-95AD-9FA076A7BF97}"/>
+              </a:ext>
+            </a:extLst>
+          </p:cNvPr>
+          <p:cNvPicPr>
+            <a:picLocks noGrp="1" noChangeAspect="1"/>
+          </p:cNvPicPr>
+          <p:nvPr>
+            <p:ph type="pic" sz="quarter" idx="13"/>
+          </p:nvPr>
+        </p:nvPicPr>
+        <p:blipFill rotWithShape="1">
+          <a:blip r:embed="rId2">
+            <a:extLst>
+              <a:ext uri="{28A0092B-C50C-407E-A947-70E740481C1C}">
+                <a14:useLocalDpi xmlns:a14="http://schemas.microsoft.com/office/drawing/2010/main" val="0"/>
+              </a:ext>
+            </a:extLst>
+          </a:blip>
+          <a:srcRect t="26015" b="26015"/>
+          <a:stretch/>
+        </p:blipFill>
+        <p:spPr>
+          <a:xfrm>
+            <a:off x="7734300" y="333375"/>
+            <a:ext cx="2838450" cy="6191250"/>
+          </a:xfrm>
+          <a:prstGeom prst="roundRect">
+            <a:avLst>
+              <a:gd name="adj" fmla="val 8857"/>
+            </a:avLst>
+          </a:prstGeom>
+        </p:spPr>
+      </p:pic>
+    </p:spTree>
+    <p:extLst>
+      <p:ext uri="{BB962C8B-B14F-4D97-AF65-F5344CB8AC3E}">
+        <p14:creationId xmlns:p14="http://schemas.microsoft.com/office/powerpoint/2010/main" val="3723014175"/>
+      </p:ext>
+    </p:extLst>
+  </p:cSld>
+  <p:clrMapOvr>
+    <a:masterClrMapping/>
+  </p:clrMapOvr>
+</p:sld>
+</file>
+
+<file path=ppt/slides/slide13.xml><?xml version="1.0" encoding="utf-8"?>
+<p:sld xmlns:a="http://schemas.openxmlformats.org/drawingml/2006/main" xmlns:r="http://schemas.openxmlformats.org/officeDocument/2006/relationships" xmlns:p="http://schemas.openxmlformats.org/presentationml/2006/main">
+  <p:cSld>
+    <p:spTree>
+      <p:nvGrpSpPr>
+        <p:cNvPr id="1" name=""/>
+        <p:cNvGrpSpPr/>
+        <p:nvPr/>
+      </p:nvGrpSpPr>
+      <p:grpSpPr>
+        <a:xfrm>
+          <a:off x="0" y="0"/>
+          <a:ext cx="0" cy="0"/>
+          <a:chOff x="0" y="0"/>
+          <a:chExt cx="0" cy="0"/>
+        </a:xfrm>
+      </p:grpSpPr>
+      <p:sp>
+        <p:nvSpPr>
+          <p:cNvPr id="2" name="Title 1">
+            <a:extLst>
+              <a:ext uri="{FF2B5EF4-FFF2-40B4-BE49-F238E27FC236}">
+                <a16:creationId xmlns:a16="http://schemas.microsoft.com/office/drawing/2014/main" id="{DFC72419-A42A-495F-910E-2629ACB6FC45}"/>
+              </a:ext>
+            </a:extLst>
+          </p:cNvPr>
+          <p:cNvSpPr>
+            <a:spLocks noGrp="1"/>
+          </p:cNvSpPr>
+          <p:nvPr>
+            <p:ph type="title"/>
+          </p:nvPr>
+        </p:nvSpPr>
+        <p:spPr/>
+        <p:txBody>
+          <a:bodyPr/>
+          <a:lstStyle/>
+          <a:p>
+            <a:r>
+              <a:rPr lang="en-GB" dirty="0"/>
+              <a:t>Variation 3</a:t>
+            </a:r>
+          </a:p>
+        </p:txBody>
+      </p:sp>
+      <p:sp>
+        <p:nvSpPr>
+          <p:cNvPr id="4" name="Text Placeholder 3">
+            <a:extLst>
+              <a:ext uri="{FF2B5EF4-FFF2-40B4-BE49-F238E27FC236}">
+                <a16:creationId xmlns:a16="http://schemas.microsoft.com/office/drawing/2014/main" id="{E05DDAE9-5C5C-4AA7-B425-7783E627FBE4}"/>
+              </a:ext>
+            </a:extLst>
+          </p:cNvPr>
+          <p:cNvSpPr>
+            <a:spLocks noGrp="1"/>
+          </p:cNvSpPr>
+          <p:nvPr>
+            <p:ph type="body" sz="quarter" idx="14"/>
+          </p:nvPr>
+        </p:nvSpPr>
+        <p:spPr/>
+        <p:txBody>
+          <a:bodyPr/>
+          <a:lstStyle/>
+          <a:p>
+            <a:r>
+              <a:rPr lang="en-GB" dirty="0"/>
+              <a:t>PDP</a:t>
+            </a:r>
+          </a:p>
+        </p:txBody>
+      </p:sp>
+      <p:sp>
+        <p:nvSpPr>
+          <p:cNvPr id="6" name="Text Placeholder 5">
+            <a:extLst>
+              <a:ext uri="{FF2B5EF4-FFF2-40B4-BE49-F238E27FC236}">
+                <a16:creationId xmlns:a16="http://schemas.microsoft.com/office/drawing/2014/main" id="{5058FBD7-37FF-4F8A-9DC8-6198E2FF23F4}"/>
+              </a:ext>
+            </a:extLst>
+          </p:cNvPr>
+          <p:cNvSpPr>
+            <a:spLocks noGrp="1"/>
+          </p:cNvSpPr>
+          <p:nvPr>
+            <p:ph type="body" sz="quarter" idx="16"/>
+          </p:nvPr>
+        </p:nvSpPr>
+        <p:spPr/>
+        <p:txBody>
+          <a:bodyPr/>
+          <a:lstStyle/>
+          <a:p>
+            <a:r>
+              <a:rPr lang="en-GB" dirty="0"/>
+              <a:t>Basket</a:t>
+            </a:r>
+          </a:p>
+        </p:txBody>
+      </p:sp>
+      <p:pic>
+        <p:nvPicPr>
+          <p:cNvPr id="7" name="Picture Placeholder 6">
+            <a:extLst>
+              <a:ext uri="{FF2B5EF4-FFF2-40B4-BE49-F238E27FC236}">
+                <a16:creationId xmlns:a16="http://schemas.microsoft.com/office/drawing/2014/main" id="{6EBE9ED3-B1C3-462E-BD93-E703CCE11054}"/>
+              </a:ext>
+            </a:extLst>
+          </p:cNvPr>
+          <p:cNvPicPr>
+            <a:picLocks noGrp="1" noChangeAspect="1"/>
+          </p:cNvPicPr>
+          <p:nvPr>
+            <p:ph type="pic" sz="quarter" idx="17"/>
+          </p:nvPr>
+        </p:nvPicPr>
+        <p:blipFill rotWithShape="1">
+          <a:blip r:embed="rId2"/>
+          <a:srcRect l="545" r="545"/>
+          <a:stretch/>
+        </p:blipFill>
+        <p:spPr>
+          <a:prstGeom prst="roundRect">
+            <a:avLst>
+              <a:gd name="adj" fmla="val 7551"/>
+            </a:avLst>
+          </a:prstGeom>
+        </p:spPr>
+      </p:pic>
+      <p:sp>
+        <p:nvSpPr>
+          <p:cNvPr id="11" name="Text Placeholder 10">
+            <a:extLst>
+              <a:ext uri="{FF2B5EF4-FFF2-40B4-BE49-F238E27FC236}">
+                <a16:creationId xmlns:a16="http://schemas.microsoft.com/office/drawing/2014/main" id="{075A483E-8F5E-4E02-82E8-082FA425151B}"/>
+              </a:ext>
+            </a:extLst>
+          </p:cNvPr>
+          <p:cNvSpPr>
+            <a:spLocks noGrp="1"/>
+          </p:cNvSpPr>
+          <p:nvPr>
+            <p:ph type="body" sz="quarter" idx="18"/>
+          </p:nvPr>
+        </p:nvSpPr>
+        <p:spPr>
+          <a:xfrm>
+            <a:off x="8179527" y="6249988"/>
+            <a:ext cx="2731506" cy="383725"/>
+          </a:xfrm>
+        </p:spPr>
+        <p:txBody>
+          <a:bodyPr>
+            <a:normAutofit/>
+          </a:bodyPr>
+          <a:lstStyle/>
+          <a:p>
+            <a:r>
+              <a:rPr lang="en-GB" dirty="0"/>
+              <a:t>Checkout Delivery Selection</a:t>
+            </a:r>
+          </a:p>
+        </p:txBody>
+      </p:sp>
+      <p:pic>
+        <p:nvPicPr>
+          <p:cNvPr id="12" name="Picture Placeholder 5" descr="Graphical user interface, text, application, chat or text message&#10;&#10;Description automatically generated">
+            <a:extLst>
+              <a:ext uri="{FF2B5EF4-FFF2-40B4-BE49-F238E27FC236}">
+                <a16:creationId xmlns:a16="http://schemas.microsoft.com/office/drawing/2014/main" id="{973E4A12-E721-4627-A26D-209974D6EC14}"/>
+              </a:ext>
+            </a:extLst>
+          </p:cNvPr>
+          <p:cNvPicPr>
+            <a:picLocks noGrp="1" noChangeAspect="1"/>
+          </p:cNvPicPr>
+          <p:nvPr>
+            <p:ph type="pic" sz="quarter" idx="13"/>
+          </p:nvPr>
+        </p:nvPicPr>
+        <p:blipFill rotWithShape="1">
+          <a:blip r:embed="rId3">
+            <a:extLst>
+              <a:ext uri="{28A0092B-C50C-407E-A947-70E740481C1C}">
+                <a14:useLocalDpi xmlns:a14="http://schemas.microsoft.com/office/drawing/2010/main" val="0"/>
+              </a:ext>
+            </a:extLst>
+          </a:blip>
+          <a:srcRect t="26146" b="26146"/>
+          <a:stretch/>
+        </p:blipFill>
+        <p:spPr>
+          <a:xfrm>
+            <a:off x="1639888" y="1611313"/>
+            <a:ext cx="2025650" cy="4394200"/>
+          </a:xfrm>
+          <a:prstGeom prst="roundRect">
+            <a:avLst>
+              <a:gd name="adj" fmla="val 8857"/>
+            </a:avLst>
+          </a:prstGeom>
+        </p:spPr>
+      </p:pic>
+      <p:pic>
+        <p:nvPicPr>
+          <p:cNvPr id="9" name="Picture Placeholder 6">
+            <a:extLst>
+              <a:ext uri="{FF2B5EF4-FFF2-40B4-BE49-F238E27FC236}">
+                <a16:creationId xmlns:a16="http://schemas.microsoft.com/office/drawing/2014/main" id="{F39F8567-9537-428E-81F6-EBFC5BA2C802}"/>
+              </a:ext>
+            </a:extLst>
+          </p:cNvPr>
+          <p:cNvPicPr>
+            <a:picLocks noGrp="1" noChangeAspect="1"/>
+          </p:cNvPicPr>
+          <p:nvPr>
+            <p:ph type="pic" sz="quarter" idx="15"/>
+          </p:nvPr>
+        </p:nvPicPr>
+        <p:blipFill rotWithShape="1">
+          <a:blip r:embed="rId4"/>
+          <a:srcRect l="256" r="256"/>
+          <a:stretch/>
+        </p:blipFill>
+        <p:spPr>
+          <a:xfrm>
+            <a:off x="5086350" y="1611313"/>
+            <a:ext cx="2025650" cy="4394200"/>
+          </a:xfrm>
+          <a:prstGeom prst="roundRect">
+            <a:avLst>
+              <a:gd name="adj" fmla="val 9508"/>
+            </a:avLst>
+          </a:prstGeom>
+        </p:spPr>
+      </p:pic>
+    </p:spTree>
+    <p:extLst>
+      <p:ext uri="{BB962C8B-B14F-4D97-AF65-F5344CB8AC3E}">
+        <p14:creationId xmlns:p14="http://schemas.microsoft.com/office/powerpoint/2010/main" val="1915644520"/>
+      </p:ext>
+    </p:extLst>
+  </p:cSld>
+  <p:clrMapOvr>
+    <a:masterClrMapping/>
+  </p:clrMapOvr>
+</p:sld>
+</file>
+
+<file path=ppt/slides/slide14.xml><?xml version="1.0" encoding="utf-8"?>
+<p:sld xmlns:a="http://schemas.openxmlformats.org/drawingml/2006/main" xmlns:r="http://schemas.openxmlformats.org/officeDocument/2006/relationships" xmlns:p="http://schemas.openxmlformats.org/presentationml/2006/main">
+  <p:cSld>
+    <p:spTree>
+      <p:nvGrpSpPr>
+        <p:cNvPr id="1" name=""/>
+        <p:cNvGrpSpPr/>
+        <p:nvPr/>
+      </p:nvGrpSpPr>
+      <p:grpSpPr>
+        <a:xfrm>
+          <a:off x="0" y="0"/>
+          <a:ext cx="0" cy="0"/>
+          <a:chOff x="0" y="0"/>
+          <a:chExt cx="0" cy="0"/>
+        </a:xfrm>
+      </p:grpSpPr>
+      <p:sp>
+        <p:nvSpPr>
+          <p:cNvPr id="4" name="Title 3">
+            <a:extLst>
+              <a:ext uri="{FF2B5EF4-FFF2-40B4-BE49-F238E27FC236}">
+                <a16:creationId xmlns:a16="http://schemas.microsoft.com/office/drawing/2014/main" id="{11CC4622-B908-4E66-94A5-7E83999FFC99}"/>
+              </a:ext>
+            </a:extLst>
+          </p:cNvPr>
+          <p:cNvSpPr>
+            <a:spLocks noGrp="1"/>
+          </p:cNvSpPr>
+          <p:nvPr>
+            <p:ph type="title"/>
+          </p:nvPr>
+        </p:nvSpPr>
+        <p:spPr/>
+        <p:txBody>
+          <a:bodyPr/>
+          <a:lstStyle/>
+          <a:p>
+            <a:r>
+              <a:rPr lang="en-GB"/>
+              <a:t>Test Configuration</a:t>
+            </a:r>
+          </a:p>
+        </p:txBody>
+      </p:sp>
+      <p:sp>
+        <p:nvSpPr>
+          <p:cNvPr id="5" name="Text Placeholder 4">
+            <a:extLst>
+              <a:ext uri="{FF2B5EF4-FFF2-40B4-BE49-F238E27FC236}">
+                <a16:creationId xmlns:a16="http://schemas.microsoft.com/office/drawing/2014/main" id="{4FF318E6-AF10-45B7-9E92-E90FCE7D49E3}"/>
+              </a:ext>
+            </a:extLst>
+          </p:cNvPr>
+          <p:cNvSpPr>
+            <a:spLocks noGrp="1"/>
+          </p:cNvSpPr>
+          <p:nvPr>
+            <p:ph type="body" sz="quarter" idx="12"/>
+          </p:nvPr>
+        </p:nvSpPr>
+        <p:spPr>
+          <a:xfrm>
+            <a:off x="422049" y="4152629"/>
+            <a:ext cx="11522075" cy="561976"/>
+          </a:xfrm>
+        </p:spPr>
+        <p:txBody>
+          <a:bodyPr/>
+          <a:lstStyle/>
+          <a:p>
+            <a:r>
+              <a:rPr lang="en-GB"/>
+              <a:t>Targeting, Timeline, &amp; Tracking</a:t>
+            </a:r>
+          </a:p>
+        </p:txBody>
+      </p:sp>
+      <p:sp>
+        <p:nvSpPr>
+          <p:cNvPr id="6" name="Text Placeholder 5">
+            <a:extLst>
+              <a:ext uri="{FF2B5EF4-FFF2-40B4-BE49-F238E27FC236}">
+                <a16:creationId xmlns:a16="http://schemas.microsoft.com/office/drawing/2014/main" id="{0161C532-39C8-4923-B5C5-7ECCFD41ACE4}"/>
+              </a:ext>
+            </a:extLst>
+          </p:cNvPr>
+          <p:cNvSpPr>
+            <a:spLocks noGrp="1"/>
+          </p:cNvSpPr>
+          <p:nvPr>
+            <p:ph type="body" sz="quarter" idx="13"/>
+          </p:nvPr>
+        </p:nvSpPr>
+        <p:spPr/>
+        <p:txBody>
+          <a:bodyPr/>
+          <a:lstStyle/>
+          <a:p>
+            <a:r>
+              <a:rPr lang="en-GB"/>
+              <a:t>3</a:t>
+            </a:r>
+          </a:p>
+        </p:txBody>
+      </p:sp>
+    </p:spTree>
+    <p:extLst>
+      <p:ext uri="{BB962C8B-B14F-4D97-AF65-F5344CB8AC3E}">
+        <p14:creationId xmlns:p14="http://schemas.microsoft.com/office/powerpoint/2010/main" val="1479256934"/>
+      </p:ext>
+    </p:extLst>
+  </p:cSld>
+  <p:clrMapOvr>
+    <a:masterClrMapping/>
+  </p:clrMapOvr>
+</p:sld>
+</file>
+
+<file path=ppt/slides/slide15.xml><?xml version="1.0" encoding="utf-8"?>
+<p:sld xmlns:a="http://schemas.openxmlformats.org/drawingml/2006/main" xmlns:r="http://schemas.openxmlformats.org/officeDocument/2006/relationships" xmlns:p="http://schemas.openxmlformats.org/presentationml/2006/main">
+  <p:cSld>
+    <p:spTree>
+      <p:nvGrpSpPr>
+        <p:cNvPr id="1" name=""/>
+        <p:cNvGrpSpPr/>
+        <p:nvPr/>
+      </p:nvGrpSpPr>
+      <p:grpSpPr>
+        <a:xfrm>
+          <a:off x="0" y="0"/>
+          <a:ext cx="0" cy="0"/>
+          <a:chOff x="0" y="0"/>
+          <a:chExt cx="0" cy="0"/>
+        </a:xfrm>
+      </p:grpSpPr>
+      <p:sp>
+        <p:nvSpPr>
+          <p:cNvPr id="5" name="Title 4">
+            <a:extLst>
+              <a:ext uri="{FF2B5EF4-FFF2-40B4-BE49-F238E27FC236}">
+                <a16:creationId xmlns:a16="http://schemas.microsoft.com/office/drawing/2014/main" id="{1623EE3D-E525-429F-A638-C7A8BF91401B}"/>
+              </a:ext>
+            </a:extLst>
+          </p:cNvPr>
+          <p:cNvSpPr>
+            <a:spLocks noGrp="1"/>
+          </p:cNvSpPr>
+          <p:nvPr>
+            <p:ph type="title"/>
+          </p:nvPr>
+        </p:nvSpPr>
+        <p:spPr/>
+        <p:txBody>
+          <a:bodyPr/>
+          <a:lstStyle/>
+          <a:p>
+            <a:r>
+              <a:rPr lang="en-GB"/>
+              <a:t>Configuration</a:t>
+            </a:r>
+          </a:p>
+        </p:txBody>
+      </p:sp>
+      <p:sp>
+        <p:nvSpPr>
+          <p:cNvPr id="6" name="Text Placeholder 5">
+            <a:extLst>
+              <a:ext uri="{FF2B5EF4-FFF2-40B4-BE49-F238E27FC236}">
+                <a16:creationId xmlns:a16="http://schemas.microsoft.com/office/drawing/2014/main" id="{55F73472-D843-4584-8528-88255A0F92CD}"/>
+              </a:ext>
+            </a:extLst>
+          </p:cNvPr>
+          <p:cNvSpPr>
+            <a:spLocks noGrp="1"/>
+          </p:cNvSpPr>
+          <p:nvPr>
+            <p:ph type="body" sz="quarter" idx="12"/>
+          </p:nvPr>
+        </p:nvSpPr>
+        <p:spPr/>
+        <p:txBody>
+          <a:bodyPr/>
+          <a:lstStyle/>
+          <a:p>
+            <a:pPr marL="0" indent="0">
+              <a:lnSpc>
+                <a:spcPct val="150000"/>
+              </a:lnSpc>
+              <a:buNone/>
+            </a:pPr>
+            <a:r>
+              <a:rPr lang="en-GB" dirty="0">
+                <a:latin typeface="+mj-lt"/>
+              </a:rPr>
+              <a:t>Where will the test run?</a:t>
+            </a:r>
+          </a:p>
+          <a:p>
+            <a:pPr>
+              <a:lnSpc>
+                <a:spcPct val="150000"/>
+              </a:lnSpc>
+            </a:pPr>
+            <a:r>
+              <a:rPr lang="en-US" dirty="0">
+                <a:latin typeface="+mn-lt"/>
+              </a:rPr>
+              <a:t>The test will run across all mobile product pages</a:t>
+            </a:r>
+            <a:r>
+              <a:rPr lang="en-US" dirty="0"/>
+              <a:t>.</a:t>
+            </a:r>
+          </a:p>
+          <a:p>
+            <a:pPr>
+              <a:lnSpc>
+                <a:spcPct val="150000"/>
+              </a:lnSpc>
+            </a:pPr>
+            <a:r>
+              <a:rPr lang="en-US" i="1" dirty="0"/>
+              <a:t>Excluding Flea product pages to prevent experiences clashing</a:t>
+            </a:r>
+          </a:p>
+          <a:p>
+            <a:pPr>
+              <a:lnSpc>
+                <a:spcPct val="150000"/>
+              </a:lnSpc>
+            </a:pPr>
+            <a:r>
+              <a:rPr lang="en-US" i="1" dirty="0"/>
+              <a:t>Excluding Easy Repeat product pages to simplify the test</a:t>
+            </a:r>
+            <a:endParaRPr lang="en-US" dirty="0"/>
+          </a:p>
+          <a:p>
+            <a:pPr marL="0" indent="0">
+              <a:lnSpc>
+                <a:spcPct val="150000"/>
+              </a:lnSpc>
+              <a:buNone/>
+            </a:pPr>
+            <a:endParaRPr lang="en-GB" dirty="0">
+              <a:latin typeface="+mn-lt"/>
+            </a:endParaRPr>
+          </a:p>
+          <a:p>
+            <a:pPr marL="0" indent="0">
+              <a:lnSpc>
+                <a:spcPct val="150000"/>
+              </a:lnSpc>
+              <a:buNone/>
+            </a:pPr>
+            <a:r>
+              <a:rPr lang="en-GB" dirty="0">
+                <a:latin typeface="+mj-lt"/>
+              </a:rPr>
+              <a:t>What browsers/devices will the test run on?</a:t>
+            </a:r>
+          </a:p>
+          <a:p>
+            <a:pPr>
+              <a:lnSpc>
+                <a:spcPct val="150000"/>
+              </a:lnSpc>
+            </a:pPr>
+            <a:r>
+              <a:rPr lang="en-GB" dirty="0">
+                <a:latin typeface="+mn-lt"/>
+              </a:rPr>
+              <a:t>The test will run on all mobile browsers/devices.</a:t>
+            </a:r>
+            <a:endParaRPr lang="en-US" dirty="0">
+              <a:latin typeface="+mn-lt"/>
+            </a:endParaRPr>
+          </a:p>
+          <a:p>
+            <a:pPr>
+              <a:lnSpc>
+                <a:spcPct val="150000"/>
+              </a:lnSpc>
+            </a:pPr>
+            <a:endParaRPr lang="en-GB" dirty="0">
+              <a:latin typeface="+mn-lt"/>
+            </a:endParaRPr>
+          </a:p>
+          <a:p>
+            <a:pPr marL="0" indent="0">
+              <a:lnSpc>
+                <a:spcPct val="150000"/>
+              </a:lnSpc>
+              <a:buNone/>
+            </a:pPr>
+            <a:r>
+              <a:rPr lang="en-GB" dirty="0">
+                <a:latin typeface="+mj-lt"/>
+              </a:rPr>
+              <a:t>How long will the test be live?</a:t>
+            </a:r>
+          </a:p>
+          <a:p>
+            <a:pPr>
+              <a:lnSpc>
+                <a:spcPct val="150000"/>
+              </a:lnSpc>
+            </a:pPr>
+            <a:r>
+              <a:rPr lang="en-GB" dirty="0"/>
+              <a:t>We estimate this test will be live for 1 to 3 weeks based on recent product page testing.</a:t>
+            </a:r>
+          </a:p>
+        </p:txBody>
+      </p:sp>
+      <p:sp>
+        <p:nvSpPr>
+          <p:cNvPr id="3" name="Text Placeholder 2">
+            <a:extLst>
+              <a:ext uri="{FF2B5EF4-FFF2-40B4-BE49-F238E27FC236}">
+                <a16:creationId xmlns:a16="http://schemas.microsoft.com/office/drawing/2014/main" id="{E15A4734-54E3-47AB-BE9A-E369C376BECC}"/>
+              </a:ext>
+            </a:extLst>
+          </p:cNvPr>
+          <p:cNvSpPr>
+            <a:spLocks noGrp="1"/>
+          </p:cNvSpPr>
+          <p:nvPr>
+            <p:ph type="body" sz="quarter" idx="13"/>
+          </p:nvPr>
+        </p:nvSpPr>
+        <p:spPr/>
+        <p:txBody>
+          <a:bodyPr>
+            <a:normAutofit/>
+          </a:bodyPr>
+          <a:lstStyle/>
+          <a:p>
+            <a:pPr marL="0" indent="0">
+              <a:buNone/>
+            </a:pPr>
+            <a:r>
+              <a:rPr lang="en-GB" dirty="0">
+                <a:latin typeface="+mj-lt"/>
+              </a:rPr>
+              <a:t>Key Metrics</a:t>
+            </a:r>
+          </a:p>
+          <a:p>
+            <a:r>
+              <a:rPr lang="en-GB" dirty="0"/>
+              <a:t>The primary KPI that we will base the test’s success on is </a:t>
+            </a:r>
+            <a:r>
+              <a:rPr lang="en-US" i="1" dirty="0"/>
+              <a:t>Add to Basket Rate</a:t>
+            </a:r>
+            <a:r>
+              <a:rPr lang="en-US" dirty="0"/>
+              <a:t>.</a:t>
+            </a:r>
+          </a:p>
+          <a:p>
+            <a:r>
+              <a:rPr lang="en-US" dirty="0"/>
+              <a:t>For our secondary KPIs, we will </a:t>
+            </a:r>
+            <a:r>
+              <a:rPr lang="en-GB" dirty="0"/>
+              <a:t>measure</a:t>
+            </a:r>
+            <a:r>
+              <a:rPr lang="en-US" dirty="0"/>
+              <a:t> the </a:t>
+            </a:r>
+            <a:r>
+              <a:rPr lang="en-US" i="1" dirty="0"/>
+              <a:t>subsequent progression through the funnel </a:t>
+            </a:r>
+            <a:r>
+              <a:rPr lang="en-US" dirty="0"/>
+              <a:t>to support our analysis of each variation. </a:t>
+            </a:r>
+          </a:p>
+          <a:p>
+            <a:r>
+              <a:rPr lang="en-US" dirty="0"/>
+              <a:t>We will also </a:t>
+            </a:r>
+            <a:r>
+              <a:rPr lang="en-GB" dirty="0"/>
+              <a:t>place increased importance on this tests impact on Click &amp; Collect transactions. </a:t>
+            </a:r>
+          </a:p>
+          <a:p>
+            <a:pPr marL="0" indent="0">
+              <a:buNone/>
+            </a:pPr>
+            <a:endParaRPr lang="en-GB" dirty="0">
+              <a:latin typeface="+mj-lt"/>
+            </a:endParaRPr>
+          </a:p>
+          <a:p>
+            <a:pPr marL="0" indent="0">
+              <a:buNone/>
+            </a:pPr>
+            <a:r>
+              <a:rPr lang="en-GB" dirty="0">
+                <a:latin typeface="+mj-lt"/>
+              </a:rPr>
+              <a:t>Key Segments</a:t>
+            </a:r>
+          </a:p>
+          <a:p>
+            <a:r>
+              <a:rPr lang="en-GB" dirty="0"/>
+              <a:t>New &amp; Returning Users</a:t>
+            </a:r>
+          </a:p>
+          <a:p>
+            <a:r>
+              <a:rPr lang="en-GB" dirty="0"/>
+              <a:t>Paid Traffic Users (Google Shopping, Paid Social, &amp; PPC Traffic)</a:t>
+            </a:r>
+          </a:p>
+          <a:p>
+            <a:r>
+              <a:rPr lang="en-GB" dirty="0"/>
+              <a:t>Users that land</a:t>
+            </a:r>
+            <a:r>
+              <a:rPr lang="en-GB" i="1" dirty="0"/>
+              <a:t> </a:t>
+            </a:r>
+            <a:r>
+              <a:rPr lang="en-GB" dirty="0"/>
+              <a:t>on a PDP </a:t>
+            </a:r>
+            <a:r>
+              <a:rPr lang="en-GB" i="1" dirty="0"/>
+              <a:t> (the first page visited)</a:t>
+            </a:r>
+            <a:endParaRPr lang="en-GB" dirty="0"/>
+          </a:p>
+        </p:txBody>
+      </p:sp>
+      <p:sp>
+        <p:nvSpPr>
+          <p:cNvPr id="9" name="Text Placeholder 8">
+            <a:extLst>
+              <a:ext uri="{FF2B5EF4-FFF2-40B4-BE49-F238E27FC236}">
+                <a16:creationId xmlns:a16="http://schemas.microsoft.com/office/drawing/2014/main" id="{0267184E-C117-411A-92E8-A63E049F9349}"/>
+              </a:ext>
+            </a:extLst>
+          </p:cNvPr>
+          <p:cNvSpPr>
+            <a:spLocks noGrp="1"/>
+          </p:cNvSpPr>
+          <p:nvPr>
+            <p:ph type="body" sz="quarter" idx="14"/>
+          </p:nvPr>
+        </p:nvSpPr>
+        <p:spPr/>
+        <p:txBody>
+          <a:bodyPr/>
+          <a:lstStyle/>
+          <a:p>
+            <a:r>
+              <a:rPr lang="en-GB"/>
+              <a:t>Key Metrics &amp; Segments</a:t>
+            </a:r>
+          </a:p>
+        </p:txBody>
+      </p:sp>
+    </p:spTree>
+    <p:extLst>
+      <p:ext uri="{BB962C8B-B14F-4D97-AF65-F5344CB8AC3E}">
+        <p14:creationId xmlns:p14="http://schemas.microsoft.com/office/powerpoint/2010/main" val="2540369368"/>
+      </p:ext>
+    </p:extLst>
+  </p:cSld>
+  <p:clrMapOvr>
+    <a:masterClrMapping/>
+  </p:clrMapOvr>
+</p:sld>
+</file>
+
+<file path=ppt/slides/slide16.xml><?xml version="1.0" encoding="utf-8"?>
+<p:sld xmlns:a="http://schemas.openxmlformats.org/drawingml/2006/main" xmlns:r="http://schemas.openxmlformats.org/officeDocument/2006/relationships" xmlns:p="http://schemas.openxmlformats.org/presentationml/2006/main">
+  <p:cSld>
+    <p:spTree>
+      <p:nvGrpSpPr>
+        <p:cNvPr id="1" name=""/>
+        <p:cNvGrpSpPr/>
+        <p:nvPr/>
+      </p:nvGrpSpPr>
+      <p:grpSpPr>
+        <a:xfrm>
+          <a:off x="0" y="0"/>
+          <a:ext cx="0" cy="0"/>
+          <a:chOff x="0" y="0"/>
+          <a:chExt cx="0" cy="0"/>
+        </a:xfrm>
+      </p:grpSpPr>
+      <p:sp>
+        <p:nvSpPr>
+          <p:cNvPr id="4" name="Title 3">
+            <a:extLst>
+              <a:ext uri="{FF2B5EF4-FFF2-40B4-BE49-F238E27FC236}">
+                <a16:creationId xmlns:a16="http://schemas.microsoft.com/office/drawing/2014/main" id="{11CC4622-B908-4E66-94A5-7E83999FFC99}"/>
+              </a:ext>
+            </a:extLst>
+          </p:cNvPr>
+          <p:cNvSpPr>
+            <a:spLocks noGrp="1"/>
+          </p:cNvSpPr>
+          <p:nvPr>
+            <p:ph type="title"/>
+          </p:nvPr>
+        </p:nvSpPr>
+        <p:spPr/>
+        <p:txBody>
+          <a:bodyPr/>
+          <a:lstStyle/>
+          <a:p>
+            <a:r>
+              <a:rPr lang="en-GB"/>
+              <a:t>Tracking</a:t>
+            </a:r>
+          </a:p>
+        </p:txBody>
+      </p:sp>
+      <p:sp>
+        <p:nvSpPr>
+          <p:cNvPr id="5" name="Text Placeholder 4">
+            <a:extLst>
+              <a:ext uri="{FF2B5EF4-FFF2-40B4-BE49-F238E27FC236}">
+                <a16:creationId xmlns:a16="http://schemas.microsoft.com/office/drawing/2014/main" id="{4FF318E6-AF10-45B7-9E92-E90FCE7D49E3}"/>
+              </a:ext>
+            </a:extLst>
+          </p:cNvPr>
+          <p:cNvSpPr>
+            <a:spLocks noGrp="1"/>
+          </p:cNvSpPr>
+          <p:nvPr>
+            <p:ph type="body" sz="quarter" idx="12"/>
+          </p:nvPr>
+        </p:nvSpPr>
+        <p:spPr>
+          <a:xfrm>
+            <a:off x="422049" y="4152629"/>
+            <a:ext cx="11522075" cy="561976"/>
+          </a:xfrm>
+        </p:spPr>
+        <p:txBody>
+          <a:bodyPr/>
+          <a:lstStyle/>
+          <a:p>
+            <a:r>
+              <a:rPr lang="en-GB"/>
+              <a:t>Segment, Dimension, &amp; Metric Definitions</a:t>
+            </a:r>
+          </a:p>
+        </p:txBody>
+      </p:sp>
+      <p:sp>
+        <p:nvSpPr>
+          <p:cNvPr id="6" name="Text Placeholder 5">
+            <a:extLst>
+              <a:ext uri="{FF2B5EF4-FFF2-40B4-BE49-F238E27FC236}">
+                <a16:creationId xmlns:a16="http://schemas.microsoft.com/office/drawing/2014/main" id="{0161C532-39C8-4923-B5C5-7ECCFD41ACE4}"/>
+              </a:ext>
+            </a:extLst>
+          </p:cNvPr>
+          <p:cNvSpPr>
+            <a:spLocks noGrp="1"/>
+          </p:cNvSpPr>
+          <p:nvPr>
+            <p:ph type="body" sz="quarter" idx="13"/>
+          </p:nvPr>
+        </p:nvSpPr>
+        <p:spPr/>
+        <p:txBody>
+          <a:bodyPr/>
+          <a:lstStyle/>
+          <a:p>
+            <a:r>
+              <a:rPr lang="en-GB"/>
+              <a:t>4</a:t>
+            </a:r>
+          </a:p>
+        </p:txBody>
+      </p:sp>
+    </p:spTree>
+    <p:extLst>
+      <p:ext uri="{BB962C8B-B14F-4D97-AF65-F5344CB8AC3E}">
+        <p14:creationId xmlns:p14="http://schemas.microsoft.com/office/powerpoint/2010/main" val="539239377"/>
+      </p:ext>
+    </p:extLst>
+  </p:cSld>
+  <p:clrMapOvr>
+    <a:masterClrMapping/>
+  </p:clrMapOvr>
+</p:sld>
+</file>
+
+<file path=ppt/slides/slide17.xml><?xml version="1.0" encoding="utf-8"?>
+<p:sld xmlns:a="http://schemas.openxmlformats.org/drawingml/2006/main" xmlns:r="http://schemas.openxmlformats.org/officeDocument/2006/relationships" xmlns:p="http://schemas.openxmlformats.org/presentationml/2006/main">
+  <p:cSld>
+    <p:spTree>
+      <p:nvGrpSpPr>
+        <p:cNvPr id="1" name=""/>
+        <p:cNvGrpSpPr/>
+        <p:nvPr/>
+      </p:nvGrpSpPr>
+      <p:grpSpPr>
+        <a:xfrm>
+          <a:off x="0" y="0"/>
+          <a:ext cx="0" cy="0"/>
+          <a:chOff x="0" y="0"/>
+          <a:chExt cx="0" cy="0"/>
+        </a:xfrm>
+      </p:grpSpPr>
+      <p:sp>
+        <p:nvSpPr>
+          <p:cNvPr id="2" name="Title 1">
+            <a:extLst>
+              <a:ext uri="{FF2B5EF4-FFF2-40B4-BE49-F238E27FC236}">
                 <a16:creationId xmlns:a16="http://schemas.microsoft.com/office/drawing/2014/main" id="{C0E96B1A-858B-4E9A-9B7C-419C810915CD}"/>
               </a:ext>
             </a:extLst>
@@ -7469,7 +9328,7 @@
 </p:sld>
 </file>
 
-<file path=ppt/slides/slide12.xml><?xml version="1.0" encoding="utf-8"?>
+<file path=ppt/slides/slide18.xml><?xml version="1.0" encoding="utf-8"?>
 <p:sld xmlns:a="http://schemas.openxmlformats.org/drawingml/2006/main" xmlns:r="http://schemas.openxmlformats.org/officeDocument/2006/relationships" xmlns:p="http://schemas.openxmlformats.org/presentationml/2006/main">
   <p:cSld>
     <p:spTree>
@@ -7766,7 +9625,7 @@
         <p:spPr/>
         <p:txBody>
           <a:bodyPr>
-            <a:normAutofit fontScale="85000" lnSpcReduction="20000"/>
+            <a:normAutofit fontScale="77500" lnSpcReduction="20000"/>
           </a:bodyPr>
           <a:lstStyle/>
           <a:p>
@@ -7813,7 +9672,13 @@
           <a:p>
             <a:r>
               <a:rPr lang="en-GB" dirty="0"/>
-              <a:t>Additionally, previous testing around this area has shown that reducing the dual CTAs to a single, unified CTA can result in reasonably large statistically significant improvements to Add to Basket Rate. Unfortunately, our previous test did not return improvements to the subsequent ecommerce performance.</a:t>
+              <a:t>Previous testing around this area has shown that reducing the dual CTAs to a single, unified CTA can result in reasonably large statistically significant improvements to Add to Basket Rate.</a:t>
+            </a:r>
+          </a:p>
+          <a:p>
+            <a:r>
+              <a:rPr lang="en-GB" dirty="0"/>
+              <a:t>Additionally, we currently default to Click and Collect at the delivery selection stage of the checkout unless the user has otherwise chosen Delivery on the PDP. Users would not be able to make this decision on the PDP with a single CTA though. As Click and Collect transactions account for the minority of our transactions, we </a:t>
             </a:r>
           </a:p>
           <a:p>
@@ -7821,6 +9686,9 @@
               <a:rPr lang="en-GB" dirty="0"/>
               <a:t>This test aims to build on the results of the previous test (PAH131) and further inform the Polestar PDP designs, that currently feature a single CTA.</a:t>
             </a:r>
+          </a:p>
+          <a:p>
+            <a:endParaRPr lang="en-GB" dirty="0"/>
           </a:p>
         </p:txBody>
       </p:sp>
@@ -8030,7 +9898,7 @@
           <a:p>
             <a:r>
               <a:rPr lang="en-GB" dirty="0"/>
-              <a:t>Control</a:t>
+              <a:t>Control - PDP</a:t>
             </a:r>
           </a:p>
         </p:txBody>
@@ -8065,8 +9933,9 @@
               <a:rPr lang="en-GB" dirty="0">
                 <a:latin typeface="+mj-lt"/>
               </a:rPr>
-              <a:t>What is the current experience?</a:t>
-            </a:r>
+              <a:t>What is the current PDP experience?</a:t>
+            </a:r>
+            <a:endParaRPr lang="en-GB" dirty="0"/>
           </a:p>
           <a:p>
             <a:r>
@@ -8101,6 +9970,9 @@
             </a:r>
           </a:p>
           <a:p>
+            <a:pPr marL="0" indent="0">
+              <a:buNone/>
+            </a:pPr>
             <a:endParaRPr lang="en-GB" dirty="0">
               <a:sym typeface="Roboto Slab"/>
             </a:endParaRPr>
@@ -8121,10 +9993,10 @@
       </p:sp>
       <p:pic>
         <p:nvPicPr>
-          <p:cNvPr id="6" name="Picture Placeholder 5">
-            <a:extLst>
-              <a:ext uri="{FF2B5EF4-FFF2-40B4-BE49-F238E27FC236}">
-                <a16:creationId xmlns:a16="http://schemas.microsoft.com/office/drawing/2014/main" id="{08BF2DD9-C9F4-4306-8CC5-92D014E31032}"/>
+          <p:cNvPr id="10" name="Picture Placeholder 9">
+            <a:extLst>
+              <a:ext uri="{FF2B5EF4-FFF2-40B4-BE49-F238E27FC236}">
+                <a16:creationId xmlns:a16="http://schemas.microsoft.com/office/drawing/2014/main" id="{88784BF9-3AB5-4EEB-BC05-CE4C98AC6084}"/>
               </a:ext>
             </a:extLst>
           </p:cNvPr>
@@ -8137,13 +10009,13 @@
         </p:nvPicPr>
         <p:blipFill rotWithShape="1">
           <a:blip r:embed="rId2"/>
-          <a:srcRect l="29" r="29"/>
+          <a:srcRect l="672" r="672"/>
           <a:stretch/>
         </p:blipFill>
         <p:spPr>
           <a:prstGeom prst="roundRect">
             <a:avLst>
-              <a:gd name="adj" fmla="val 9183"/>
+              <a:gd name="adj" fmla="val 10159"/>
             </a:avLst>
           </a:prstGeom>
         </p:spPr>
@@ -8201,7 +10073,7 @@
           <a:p>
             <a:r>
               <a:rPr lang="en-GB" dirty="0"/>
-              <a:t>Variation 1</a:t>
+              <a:t>Control - Basket</a:t>
             </a:r>
           </a:p>
         </p:txBody>
@@ -8236,7 +10108,26 @@
               <a:rPr lang="en-GB" dirty="0">
                 <a:latin typeface="+mj-lt"/>
               </a:rPr>
-              <a:t>What are we changing?</a:t>
+              <a:t>What is the current Basket experience?</a:t>
+            </a:r>
+            <a:endParaRPr lang="en-GB" dirty="0"/>
+          </a:p>
+          <a:p>
+            <a:r>
+              <a:rPr lang="en-GB" dirty="0"/>
+              <a:t>Depending on how a user has added items to their basket, they will be greeted with different versions of the delivery messaging.</a:t>
+            </a:r>
+          </a:p>
+          <a:p>
+            <a:r>
+              <a:rPr lang="en-GB" dirty="0"/>
+              <a:t>If a user has added a product to the basket from the PLP, they will see a message advertising both Click and Collect, and Delivery.</a:t>
+            </a:r>
+          </a:p>
+          <a:p>
+            <a:r>
+              <a:rPr lang="en-GB" dirty="0"/>
+              <a:t>If they add a product to the basket from the PDP via the “Add for Delivery” CTA, they will see a message advertising the Free Delivery threshold.</a:t>
             </a:r>
           </a:p>
           <a:p>
@@ -8244,45 +10135,37 @@
               <a:rPr lang="en-GB" dirty="0">
                 <a:sym typeface="Roboto Slab"/>
               </a:rPr>
-              <a:t>Single Add to basket CTA</a:t>
-            </a:r>
-          </a:p>
-          <a:p>
-            <a:r>
-              <a:rPr lang="en-GB" dirty="0">
-                <a:sym typeface="Roboto Slab"/>
-              </a:rPr>
-              <a:t>Defaults to delivery if delivery is available.</a:t>
-            </a:r>
-          </a:p>
-          <a:p>
-            <a:r>
-              <a:rPr lang="en-GB" dirty="0"/>
-              <a:t>Defaults to click and collect if delivery is </a:t>
-            </a:r>
-            <a:r>
-              <a:rPr lang="en-GB" i="1" dirty="0"/>
-              <a:t>not</a:t>
-            </a:r>
-            <a:r>
-              <a:rPr lang="en-GB" dirty="0"/>
-              <a:t> available</a:t>
-            </a:r>
-          </a:p>
-          <a:p>
-            <a:r>
-              <a:rPr lang="en-GB" dirty="0"/>
-              <a:t>Defaults to inactive state when neither is available.</a:t>
-            </a:r>
+              <a:t>Alternatively, if a user selected Click and Collect on the PDP, they will see a message advertising Click and Collect.</a:t>
+            </a:r>
+          </a:p>
+          <a:p>
+            <a:pPr marL="0" indent="0">
+              <a:buNone/>
+            </a:pPr>
+            <a:endParaRPr lang="en-GB" dirty="0">
+              <a:sym typeface="Roboto Slab"/>
+            </a:endParaRPr>
+          </a:p>
+          <a:p>
+            <a:pPr marL="0" indent="0">
+              <a:buNone/>
+            </a:pPr>
+            <a:endParaRPr lang="en-GB" dirty="0"/>
+          </a:p>
+          <a:p>
+            <a:endParaRPr lang="en-GB" dirty="0"/>
+          </a:p>
+          <a:p>
+            <a:endParaRPr lang="en-GB" dirty="0"/>
           </a:p>
         </p:txBody>
       </p:sp>
       <p:pic>
         <p:nvPicPr>
-          <p:cNvPr id="6" name="Picture Placeholder 5" descr="Graphical user interface, text, application, chat or text message&#10;&#10;Description automatically generated">
-            <a:extLst>
-              <a:ext uri="{FF2B5EF4-FFF2-40B4-BE49-F238E27FC236}">
-                <a16:creationId xmlns:a16="http://schemas.microsoft.com/office/drawing/2014/main" id="{AB1AB466-C428-480D-95AD-9FA076A7BF97}"/>
+          <p:cNvPr id="7" name="Picture Placeholder 6">
+            <a:extLst>
+              <a:ext uri="{FF2B5EF4-FFF2-40B4-BE49-F238E27FC236}">
+                <a16:creationId xmlns:a16="http://schemas.microsoft.com/office/drawing/2014/main" id="{F5BDC32D-B04D-42CF-AC94-E16C3F3AF958}"/>
               </a:ext>
             </a:extLst>
           </p:cNvPr>
@@ -8294,24 +10177,14 @@
           </p:nvPr>
         </p:nvPicPr>
         <p:blipFill rotWithShape="1">
-          <a:blip r:embed="rId2">
-            <a:extLst>
-              <a:ext uri="{28A0092B-C50C-407E-A947-70E740481C1C}">
-                <a14:useLocalDpi xmlns:a14="http://schemas.microsoft.com/office/drawing/2010/main" val="0"/>
-              </a:ext>
-            </a:extLst>
-          </a:blip>
-          <a:srcRect t="26015" b="26015"/>
+          <a:blip r:embed="rId2"/>
+          <a:srcRect l="528" r="528"/>
           <a:stretch/>
         </p:blipFill>
         <p:spPr>
-          <a:xfrm>
-            <a:off x="7734300" y="333375"/>
-            <a:ext cx="2838450" cy="6191250"/>
-          </a:xfrm>
           <a:prstGeom prst="roundRect">
             <a:avLst>
-              <a:gd name="adj" fmla="val 8857"/>
+              <a:gd name="adj" fmla="val 9508"/>
             </a:avLst>
           </a:prstGeom>
         </p:spPr>
@@ -8319,7 +10192,7 @@
     </p:spTree>
     <p:extLst>
       <p:ext uri="{BB962C8B-B14F-4D97-AF65-F5344CB8AC3E}">
-        <p14:creationId xmlns:p14="http://schemas.microsoft.com/office/powerpoint/2010/main" val="2834298708"/>
+        <p14:creationId xmlns:p14="http://schemas.microsoft.com/office/powerpoint/2010/main" val="3724565458"/>
       </p:ext>
     </p:extLst>
   </p:cSld>
@@ -8369,8 +10242,15 @@
           <a:p>
             <a:r>
               <a:rPr lang="en-GB" dirty="0"/>
-              <a:t>Variation 2</a:t>
-            </a:r>
+              <a:t>Control – </a:t>
+            </a:r>
+            <a:r>
+              <a:rPr lang="en-GB" dirty="0">
+                <a:latin typeface="+mj-lt"/>
+              </a:rPr>
+              <a:t>Checkout Delivery Selection </a:t>
+            </a:r>
+            <a:endParaRPr lang="en-GB" dirty="0"/>
           </a:p>
         </p:txBody>
       </p:sp>
@@ -8404,7 +10284,14 @@
               <a:rPr lang="en-GB" dirty="0">
                 <a:latin typeface="+mj-lt"/>
               </a:rPr>
-              <a:t>What are we changing?</a:t>
+              <a:t>What is the current Checkout Delivery Selection experience?</a:t>
+            </a:r>
+            <a:endParaRPr lang="en-GB" dirty="0"/>
+          </a:p>
+          <a:p>
+            <a:r>
+              <a:rPr lang="en-GB" dirty="0"/>
+              <a:t>By default, Click and Collect is pre-selected when a user reaches the delivery selection step of the funnel.</a:t>
             </a:r>
           </a:p>
           <a:p>
@@ -8412,7 +10299,7 @@
               <a:rPr lang="en-GB" dirty="0">
                 <a:sym typeface="Roboto Slab"/>
               </a:rPr>
-              <a:t>Single Add to basket CTA</a:t>
+              <a:t>However, if a user has selected Delivery at an earlier point in the user journey then Delivery will be pre-selected.</a:t>
             </a:r>
           </a:p>
           <a:p>
@@ -8420,57 +10307,37 @@
               <a:rPr lang="en-GB" dirty="0">
                 <a:sym typeface="Roboto Slab"/>
               </a:rPr>
-              <a:t>Defaults to </a:t>
-            </a:r>
-            <a:r>
-              <a:rPr lang="en-GB" dirty="0"/>
-              <a:t>click and collect </a:t>
-            </a:r>
-            <a:r>
-              <a:rPr lang="en-GB" dirty="0">
-                <a:sym typeface="Roboto Slab"/>
-              </a:rPr>
-              <a:t>if </a:t>
-            </a:r>
-            <a:r>
-              <a:rPr lang="en-GB" dirty="0"/>
-              <a:t>click and collect</a:t>
-            </a:r>
-            <a:r>
-              <a:rPr lang="en-GB" dirty="0">
-                <a:sym typeface="Roboto Slab"/>
-              </a:rPr>
-              <a:t> is available.</a:t>
-            </a:r>
-          </a:p>
-          <a:p>
-            <a:r>
-              <a:rPr lang="en-GB" dirty="0"/>
-              <a:t>Defaults to delivery if click and collect is </a:t>
-            </a:r>
-            <a:r>
-              <a:rPr lang="en-GB" i="1" dirty="0"/>
-              <a:t>not</a:t>
-            </a:r>
-            <a:r>
-              <a:rPr lang="en-GB" dirty="0"/>
-              <a:t> available</a:t>
-            </a:r>
-          </a:p>
-          <a:p>
-            <a:r>
-              <a:rPr lang="en-GB" dirty="0"/>
-              <a:t>Defaults to inactive state when neither is available.</a:t>
-            </a:r>
+              <a:t>If one of these options is unavailable for any reason, we will pre-select the available one.</a:t>
+            </a:r>
+          </a:p>
+          <a:p>
+            <a:pPr marL="0" indent="0">
+              <a:buNone/>
+            </a:pPr>
+            <a:endParaRPr lang="en-GB" dirty="0">
+              <a:sym typeface="Roboto Slab"/>
+            </a:endParaRPr>
+          </a:p>
+          <a:p>
+            <a:pPr marL="0" indent="0">
+              <a:buNone/>
+            </a:pPr>
+            <a:endParaRPr lang="en-GB" dirty="0"/>
+          </a:p>
+          <a:p>
+            <a:endParaRPr lang="en-GB" dirty="0"/>
+          </a:p>
+          <a:p>
+            <a:endParaRPr lang="en-GB" dirty="0"/>
           </a:p>
         </p:txBody>
       </p:sp>
       <p:pic>
         <p:nvPicPr>
-          <p:cNvPr id="6" name="Picture Placeholder 5" descr="Graphical user interface, text, application, chat or text message&#10;&#10;Description automatically generated">
-            <a:extLst>
-              <a:ext uri="{FF2B5EF4-FFF2-40B4-BE49-F238E27FC236}">
-                <a16:creationId xmlns:a16="http://schemas.microsoft.com/office/drawing/2014/main" id="{AB1AB466-C428-480D-95AD-9FA076A7BF97}"/>
+          <p:cNvPr id="10" name="Picture Placeholder 9">
+            <a:extLst>
+              <a:ext uri="{FF2B5EF4-FFF2-40B4-BE49-F238E27FC236}">
+                <a16:creationId xmlns:a16="http://schemas.microsoft.com/office/drawing/2014/main" id="{F6EC83A4-2479-431B-B388-3721714F052F}"/>
               </a:ext>
             </a:extLst>
           </p:cNvPr>
@@ -8482,21 +10349,11 @@
           </p:nvPr>
         </p:nvPicPr>
         <p:blipFill rotWithShape="1">
-          <a:blip r:embed="rId2">
-            <a:extLst>
-              <a:ext uri="{28A0092B-C50C-407E-A947-70E740481C1C}">
-                <a14:useLocalDpi xmlns:a14="http://schemas.microsoft.com/office/drawing/2010/main" val="0"/>
-              </a:ext>
-            </a:extLst>
-          </a:blip>
-          <a:srcRect t="26015" b="26015"/>
+          <a:blip r:embed="rId2"/>
+          <a:srcRect l="854" r="854"/>
           <a:stretch/>
         </p:blipFill>
         <p:spPr>
-          <a:xfrm>
-            <a:off x="7734300" y="333375"/>
-            <a:ext cx="2838450" cy="6191250"/>
-          </a:xfrm>
           <a:prstGeom prst="roundRect">
             <a:avLst>
               <a:gd name="adj" fmla="val 8857"/>
@@ -8507,7 +10364,7 @@
     </p:spTree>
     <p:extLst>
       <p:ext uri="{BB962C8B-B14F-4D97-AF65-F5344CB8AC3E}">
-        <p14:creationId xmlns:p14="http://schemas.microsoft.com/office/powerpoint/2010/main" val="3723014175"/>
+        <p14:creationId xmlns:p14="http://schemas.microsoft.com/office/powerpoint/2010/main" val="3823749240"/>
       </p:ext>
     </p:extLst>
   </p:cSld>
@@ -8539,7 +10396,7 @@
           <p:cNvPr id="4" name="Title 3">
             <a:extLst>
               <a:ext uri="{FF2B5EF4-FFF2-40B4-BE49-F238E27FC236}">
-                <a16:creationId xmlns:a16="http://schemas.microsoft.com/office/drawing/2014/main" id="{11CC4622-B908-4E66-94A5-7E83999FFC99}"/>
+                <a16:creationId xmlns:a16="http://schemas.microsoft.com/office/drawing/2014/main" id="{7597C524-C8AA-4A4C-8631-320613A3C492}"/>
               </a:ext>
             </a:extLst>
           </p:cNvPr>
@@ -8556,8 +10413,8 @@
           <a:lstStyle/>
           <a:p>
             <a:r>
-              <a:rPr lang="en-GB"/>
-              <a:t>Test Configuration</a:t>
+              <a:rPr lang="en-GB" dirty="0"/>
+              <a:t>Variation 1</a:t>
             </a:r>
           </a:p>
         </p:txBody>
@@ -8567,7 +10424,7 @@
           <p:cNvPr id="5" name="Text Placeholder 4">
             <a:extLst>
               <a:ext uri="{FF2B5EF4-FFF2-40B4-BE49-F238E27FC236}">
-                <a16:creationId xmlns:a16="http://schemas.microsoft.com/office/drawing/2014/main" id="{4FF318E6-AF10-45B7-9E92-E90FCE7D49E3}"/>
+                <a16:creationId xmlns:a16="http://schemas.microsoft.com/office/drawing/2014/main" id="{E2D30252-B82D-4B28-AAF3-989808C957AB}"/>
               </a:ext>
             </a:extLst>
           </p:cNvPr>
@@ -8578,55 +10435,129 @@
             <p:ph type="body" sz="quarter" idx="12"/>
           </p:nvPr>
         </p:nvSpPr>
-        <p:spPr>
-          <a:xfrm>
-            <a:off x="422049" y="4152629"/>
-            <a:ext cx="11522075" cy="561976"/>
-          </a:xfrm>
-        </p:spPr>
-        <p:txBody>
-          <a:bodyPr/>
-          <a:lstStyle/>
-          <a:p>
-            <a:r>
-              <a:rPr lang="en-GB"/>
-              <a:t>Targeting, Timeline, &amp; Tracking</a:t>
-            </a:r>
-          </a:p>
-        </p:txBody>
-      </p:sp>
-      <p:sp>
-        <p:nvSpPr>
-          <p:cNvPr id="6" name="Text Placeholder 5">
-            <a:extLst>
-              <a:ext uri="{FF2B5EF4-FFF2-40B4-BE49-F238E27FC236}">
-                <a16:creationId xmlns:a16="http://schemas.microsoft.com/office/drawing/2014/main" id="{0161C532-39C8-4923-B5C5-7ECCFD41ACE4}"/>
-              </a:ext>
-            </a:extLst>
-          </p:cNvPr>
-          <p:cNvSpPr>
-            <a:spLocks noGrp="1"/>
-          </p:cNvSpPr>
-          <p:nvPr>
-            <p:ph type="body" sz="quarter" idx="13"/>
-          </p:nvPr>
-        </p:nvSpPr>
         <p:spPr/>
         <p:txBody>
-          <a:bodyPr/>
-          <a:lstStyle/>
-          <a:p>
-            <a:r>
-              <a:rPr lang="en-GB"/>
-              <a:t>3</a:t>
-            </a:r>
-          </a:p>
-        </p:txBody>
-      </p:sp>
+          <a:bodyPr>
+            <a:normAutofit/>
+          </a:bodyPr>
+          <a:lstStyle/>
+          <a:p>
+            <a:pPr marL="0" indent="0">
+              <a:buNone/>
+            </a:pPr>
+            <a:r>
+              <a:rPr lang="en-GB" dirty="0">
+                <a:latin typeface="+mj-lt"/>
+              </a:rPr>
+              <a:t>What are we changing?</a:t>
+            </a:r>
+          </a:p>
+          <a:p>
+            <a:r>
+              <a:rPr lang="en-GB" dirty="0">
+                <a:sym typeface="Roboto Slab"/>
+              </a:rPr>
+              <a:t>PDP</a:t>
+            </a:r>
+          </a:p>
+          <a:p>
+            <a:pPr lvl="1"/>
+            <a:r>
+              <a:rPr lang="en-GB" dirty="0">
+                <a:sym typeface="Roboto Slab"/>
+              </a:rPr>
+              <a:t>Single Add to basket CTA</a:t>
+            </a:r>
+          </a:p>
+          <a:p>
+            <a:r>
+              <a:rPr lang="en-GB" dirty="0">
+                <a:sym typeface="Roboto Slab"/>
+              </a:rPr>
+              <a:t>Basket</a:t>
+            </a:r>
+          </a:p>
+          <a:p>
+            <a:pPr lvl="1"/>
+            <a:r>
+              <a:rPr lang="en-GB" dirty="0">
+                <a:sym typeface="Roboto Slab"/>
+              </a:rPr>
+              <a:t>Add additional messaging below “Delivery options can be selected at checkout.”</a:t>
+            </a:r>
+          </a:p>
+          <a:p>
+            <a:r>
+              <a:rPr lang="en-GB" dirty="0">
+                <a:sym typeface="Roboto Slab"/>
+              </a:rPr>
+              <a:t>Checkout</a:t>
+            </a:r>
+          </a:p>
+          <a:p>
+            <a:pPr lvl="1"/>
+            <a:r>
+              <a:rPr lang="en-GB" dirty="0">
+                <a:sym typeface="Roboto Slab"/>
+              </a:rPr>
+              <a:t>Deselects delivery method if delivery and C&amp;C available.</a:t>
+            </a:r>
+          </a:p>
+          <a:p>
+            <a:pPr lvl="1"/>
+            <a:r>
+              <a:rPr lang="en-GB" dirty="0"/>
+              <a:t>Reverts to default, control, experience if one of the delivery methods isn’t available</a:t>
+            </a:r>
+          </a:p>
+          <a:p>
+            <a:endParaRPr lang="en-GB" dirty="0"/>
+          </a:p>
+        </p:txBody>
+      </p:sp>
+      <p:pic>
+        <p:nvPicPr>
+          <p:cNvPr id="6" name="Picture Placeholder 5" descr="Graphical user interface, text, application, chat or text message&#10;&#10;Description automatically generated">
+            <a:extLst>
+              <a:ext uri="{FF2B5EF4-FFF2-40B4-BE49-F238E27FC236}">
+                <a16:creationId xmlns:a16="http://schemas.microsoft.com/office/drawing/2014/main" id="{AB1AB466-C428-480D-95AD-9FA076A7BF97}"/>
+              </a:ext>
+            </a:extLst>
+          </p:cNvPr>
+          <p:cNvPicPr>
+            <a:picLocks noGrp="1" noChangeAspect="1"/>
+          </p:cNvPicPr>
+          <p:nvPr>
+            <p:ph type="pic" sz="quarter" idx="13"/>
+          </p:nvPr>
+        </p:nvPicPr>
+        <p:blipFill rotWithShape="1">
+          <a:blip r:embed="rId2">
+            <a:extLst>
+              <a:ext uri="{28A0092B-C50C-407E-A947-70E740481C1C}">
+                <a14:useLocalDpi xmlns:a14="http://schemas.microsoft.com/office/drawing/2010/main" val="0"/>
+              </a:ext>
+            </a:extLst>
+          </a:blip>
+          <a:srcRect t="26015" b="26015"/>
+          <a:stretch/>
+        </p:blipFill>
+        <p:spPr>
+          <a:xfrm>
+            <a:off x="7734300" y="333375"/>
+            <a:ext cx="2838450" cy="6191250"/>
+          </a:xfrm>
+          <a:prstGeom prst="roundRect">
+            <a:avLst>
+              <a:gd name="adj" fmla="val 8857"/>
+            </a:avLst>
+          </a:prstGeom>
+        </p:spPr>
+      </p:pic>
     </p:spTree>
     <p:extLst>
       <p:ext uri="{BB962C8B-B14F-4D97-AF65-F5344CB8AC3E}">
-        <p14:creationId xmlns:p14="http://schemas.microsoft.com/office/powerpoint/2010/main" val="1479256934"/>
+        <p14:creationId xmlns:p14="http://schemas.microsoft.com/office/powerpoint/2010/main" val="2834298708"/>
       </p:ext>
     </p:extLst>
   </p:cSld>
@@ -8655,10 +10586,10 @@
       </p:grpSpPr>
       <p:sp>
         <p:nvSpPr>
-          <p:cNvPr id="5" name="Title 4">
-            <a:extLst>
-              <a:ext uri="{FF2B5EF4-FFF2-40B4-BE49-F238E27FC236}">
-                <a16:creationId xmlns:a16="http://schemas.microsoft.com/office/drawing/2014/main" id="{1623EE3D-E525-429F-A638-C7A8BF91401B}"/>
+          <p:cNvPr id="2" name="Title 1">
+            <a:extLst>
+              <a:ext uri="{FF2B5EF4-FFF2-40B4-BE49-F238E27FC236}">
+                <a16:creationId xmlns:a16="http://schemas.microsoft.com/office/drawing/2014/main" id="{DFC72419-A42A-495F-910E-2629ACB6FC45}"/>
               </a:ext>
             </a:extLst>
           </p:cNvPr>
@@ -8675,8 +10606,36 @@
           <a:lstStyle/>
           <a:p>
             <a:r>
-              <a:rPr lang="en-GB"/>
-              <a:t>Configuration</a:t>
+              <a:rPr lang="en-GB" dirty="0"/>
+              <a:t>Variation 1</a:t>
+            </a:r>
+          </a:p>
+        </p:txBody>
+      </p:sp>
+      <p:sp>
+        <p:nvSpPr>
+          <p:cNvPr id="4" name="Text Placeholder 3">
+            <a:extLst>
+              <a:ext uri="{FF2B5EF4-FFF2-40B4-BE49-F238E27FC236}">
+                <a16:creationId xmlns:a16="http://schemas.microsoft.com/office/drawing/2014/main" id="{E05DDAE9-5C5C-4AA7-B425-7783E627FBE4}"/>
+              </a:ext>
+            </a:extLst>
+          </p:cNvPr>
+          <p:cNvSpPr>
+            <a:spLocks noGrp="1"/>
+          </p:cNvSpPr>
+          <p:nvPr>
+            <p:ph type="body" sz="quarter" idx="14"/>
+          </p:nvPr>
+        </p:nvSpPr>
+        <p:spPr/>
+        <p:txBody>
+          <a:bodyPr/>
+          <a:lstStyle/>
+          <a:p>
+            <a:r>
+              <a:rPr lang="en-GB" dirty="0"/>
+              <a:t>PDP</a:t>
             </a:r>
           </a:p>
         </p:txBody>
@@ -8686,15 +10645,15 @@
           <p:cNvPr id="6" name="Text Placeholder 5">
             <a:extLst>
               <a:ext uri="{FF2B5EF4-FFF2-40B4-BE49-F238E27FC236}">
-                <a16:creationId xmlns:a16="http://schemas.microsoft.com/office/drawing/2014/main" id="{55F73472-D843-4584-8528-88255A0F92CD}"/>
-              </a:ext>
-            </a:extLst>
-          </p:cNvPr>
-          <p:cNvSpPr>
-            <a:spLocks noGrp="1"/>
-          </p:cNvSpPr>
-          <p:nvPr>
-            <p:ph type="body" sz="quarter" idx="12"/>
+                <a16:creationId xmlns:a16="http://schemas.microsoft.com/office/drawing/2014/main" id="{5058FBD7-37FF-4F8A-9DC8-6198E2FF23F4}"/>
+              </a:ext>
+            </a:extLst>
+          </p:cNvPr>
+          <p:cNvSpPr>
+            <a:spLocks noGrp="1"/>
+          </p:cNvSpPr>
+          <p:nvPr>
+            <p:ph type="body" sz="quarter" idx="16"/>
           </p:nvPr>
         </p:nvSpPr>
         <p:spPr/>
@@ -8702,289 +10661,153 @@
           <a:bodyPr/>
           <a:lstStyle/>
           <a:p>
-            <a:pPr marL="0" indent="0">
-              <a:lnSpc>
-                <a:spcPct val="150000"/>
-              </a:lnSpc>
-              <a:buNone/>
-            </a:pPr>
-            <a:r>
-              <a:rPr lang="en-GB" dirty="0">
-                <a:latin typeface="+mj-lt"/>
-              </a:rPr>
-              <a:t>Where will the test run?</a:t>
-            </a:r>
-          </a:p>
-          <a:p>
-            <a:pPr>
-              <a:lnSpc>
-                <a:spcPct val="150000"/>
-              </a:lnSpc>
-            </a:pPr>
-            <a:r>
-              <a:rPr lang="en-US" dirty="0">
-                <a:latin typeface="+mn-lt"/>
-              </a:rPr>
-              <a:t>The test will run across all mobile product pages</a:t>
-            </a:r>
-            <a:r>
-              <a:rPr lang="en-US" dirty="0"/>
-              <a:t>.</a:t>
-            </a:r>
-          </a:p>
-          <a:p>
-            <a:pPr>
-              <a:lnSpc>
-                <a:spcPct val="150000"/>
-              </a:lnSpc>
-            </a:pPr>
-            <a:r>
-              <a:rPr lang="en-US" i="1" dirty="0"/>
-              <a:t>Excluding Flea product pages to prevent experiences clashing</a:t>
-            </a:r>
-            <a:endParaRPr lang="en-US" dirty="0"/>
-          </a:p>
-          <a:p>
-            <a:pPr marL="0" indent="0">
-              <a:lnSpc>
-                <a:spcPct val="150000"/>
-              </a:lnSpc>
-              <a:buNone/>
-            </a:pPr>
-            <a:endParaRPr lang="en-GB" dirty="0">
-              <a:latin typeface="+mn-lt"/>
-            </a:endParaRPr>
-          </a:p>
-          <a:p>
-            <a:pPr marL="0" indent="0">
-              <a:lnSpc>
-                <a:spcPct val="150000"/>
-              </a:lnSpc>
-              <a:buNone/>
-            </a:pPr>
-            <a:r>
-              <a:rPr lang="en-GB" dirty="0">
-                <a:latin typeface="+mj-lt"/>
-              </a:rPr>
-              <a:t>What browsers/devices will the test run on?</a:t>
-            </a:r>
-          </a:p>
-          <a:p>
-            <a:pPr>
-              <a:lnSpc>
-                <a:spcPct val="150000"/>
-              </a:lnSpc>
-            </a:pPr>
-            <a:r>
-              <a:rPr lang="en-GB" dirty="0">
-                <a:latin typeface="+mn-lt"/>
-              </a:rPr>
-              <a:t>The test will run on all mobile browsers/devices.</a:t>
-            </a:r>
-            <a:endParaRPr lang="en-US" dirty="0">
-              <a:latin typeface="+mn-lt"/>
-            </a:endParaRPr>
-          </a:p>
-          <a:p>
-            <a:pPr>
-              <a:lnSpc>
-                <a:spcPct val="150000"/>
-              </a:lnSpc>
-            </a:pPr>
-            <a:endParaRPr lang="en-GB" dirty="0">
-              <a:latin typeface="+mn-lt"/>
-            </a:endParaRPr>
-          </a:p>
-          <a:p>
-            <a:pPr marL="0" indent="0">
-              <a:lnSpc>
-                <a:spcPct val="150000"/>
-              </a:lnSpc>
-              <a:buNone/>
-            </a:pPr>
-            <a:r>
-              <a:rPr lang="en-GB" dirty="0">
-                <a:latin typeface="+mj-lt"/>
-              </a:rPr>
-              <a:t>How long will the test be live?</a:t>
-            </a:r>
-          </a:p>
-          <a:p>
-            <a:pPr>
-              <a:lnSpc>
-                <a:spcPct val="150000"/>
-              </a:lnSpc>
-            </a:pPr>
             <a:r>
               <a:rPr lang="en-GB" dirty="0"/>
-              <a:t>We estimate this test will be live for 1 to 3 weeks based on recent product page testing.</a:t>
-            </a:r>
-          </a:p>
-        </p:txBody>
-      </p:sp>
-      <p:sp>
-        <p:nvSpPr>
-          <p:cNvPr id="3" name="Text Placeholder 2">
-            <a:extLst>
-              <a:ext uri="{FF2B5EF4-FFF2-40B4-BE49-F238E27FC236}">
-                <a16:creationId xmlns:a16="http://schemas.microsoft.com/office/drawing/2014/main" id="{E15A4734-54E3-47AB-BE9A-E369C376BECC}"/>
-              </a:ext>
-            </a:extLst>
-          </p:cNvPr>
-          <p:cNvSpPr>
-            <a:spLocks noGrp="1"/>
-          </p:cNvSpPr>
-          <p:nvPr>
-            <p:ph type="body" sz="quarter" idx="13"/>
-          </p:nvPr>
-        </p:nvSpPr>
-        <p:spPr/>
+              <a:t>Basket</a:t>
+            </a:r>
+          </a:p>
+        </p:txBody>
+      </p:sp>
+      <p:pic>
+        <p:nvPicPr>
+          <p:cNvPr id="15" name="Picture Placeholder 14">
+            <a:extLst>
+              <a:ext uri="{FF2B5EF4-FFF2-40B4-BE49-F238E27FC236}">
+                <a16:creationId xmlns:a16="http://schemas.microsoft.com/office/drawing/2014/main" id="{C401B83C-EC55-4C6F-A05B-6FC24601E00F}"/>
+              </a:ext>
+            </a:extLst>
+          </p:cNvPr>
+          <p:cNvPicPr>
+            <a:picLocks noGrp="1" noChangeAspect="1"/>
+          </p:cNvPicPr>
+          <p:nvPr>
+            <p:ph type="pic" sz="quarter" idx="17"/>
+          </p:nvPr>
+        </p:nvPicPr>
+        <p:blipFill rotWithShape="1">
+          <a:blip r:embed="rId2"/>
+          <a:srcRect l="420" r="420"/>
+          <a:stretch/>
+        </p:blipFill>
+        <p:spPr>
+          <a:prstGeom prst="roundRect">
+            <a:avLst>
+              <a:gd name="adj" fmla="val 8007"/>
+            </a:avLst>
+          </a:prstGeom>
+        </p:spPr>
+      </p:pic>
+      <p:sp>
+        <p:nvSpPr>
+          <p:cNvPr id="11" name="Text Placeholder 10">
+            <a:extLst>
+              <a:ext uri="{FF2B5EF4-FFF2-40B4-BE49-F238E27FC236}">
+                <a16:creationId xmlns:a16="http://schemas.microsoft.com/office/drawing/2014/main" id="{075A483E-8F5E-4E02-82E8-082FA425151B}"/>
+              </a:ext>
+            </a:extLst>
+          </p:cNvPr>
+          <p:cNvSpPr>
+            <a:spLocks noGrp="1"/>
+          </p:cNvSpPr>
+          <p:nvPr>
+            <p:ph type="body" sz="quarter" idx="18"/>
+          </p:nvPr>
+        </p:nvSpPr>
+        <p:spPr>
+          <a:xfrm>
+            <a:off x="8179527" y="6249988"/>
+            <a:ext cx="2731506" cy="383725"/>
+          </a:xfrm>
+        </p:spPr>
         <p:txBody>
           <a:bodyPr>
             <a:normAutofit/>
           </a:bodyPr>
           <a:lstStyle/>
           <a:p>
-            <a:pPr marL="0" indent="0">
-              <a:buNone/>
-            </a:pPr>
-            <a:r>
-              <a:rPr lang="en-GB" dirty="0">
-                <a:latin typeface="+mj-lt"/>
-              </a:rPr>
-              <a:t>Key Metrics</a:t>
-            </a:r>
-          </a:p>
-          <a:p>
             <a:r>
               <a:rPr lang="en-GB" dirty="0"/>
-              <a:t>The primary KPI that we will base the test’s success on is </a:t>
-            </a:r>
-            <a:r>
-              <a:rPr lang="en-US" i="1" dirty="0"/>
-              <a:t>Add to Basket Rate</a:t>
-            </a:r>
-            <a:r>
-              <a:rPr lang="en-US" dirty="0"/>
-              <a:t>.</a:t>
-            </a:r>
-          </a:p>
-          <a:p>
-            <a:r>
-              <a:rPr lang="en-US" dirty="0"/>
-              <a:t>For our secondary KPIs, we will </a:t>
-            </a:r>
-            <a:r>
-              <a:rPr lang="en-GB" dirty="0"/>
-              <a:t>measure</a:t>
-            </a:r>
-            <a:r>
-              <a:rPr lang="en-US" dirty="0"/>
-              <a:t> the </a:t>
-            </a:r>
-            <a:r>
-              <a:rPr lang="en-US" i="1" dirty="0"/>
-              <a:t>subsequent progression through the funnel </a:t>
-            </a:r>
-            <a:r>
-              <a:rPr lang="en-US" dirty="0"/>
-              <a:t>to support our analysis of each variation. </a:t>
-            </a:r>
-          </a:p>
-          <a:p>
-            <a:r>
-              <a:rPr lang="en-US" dirty="0"/>
-              <a:t>We will also </a:t>
-            </a:r>
-            <a:r>
-              <a:rPr lang="en-GB" dirty="0"/>
-              <a:t>place increased importance on this tests impact on Click &amp; Collect, and Easy Repeat transactions. </a:t>
-            </a:r>
-          </a:p>
-          <a:p>
-            <a:pPr marL="0" indent="0">
-              <a:buNone/>
-            </a:pPr>
-            <a:endParaRPr lang="en-GB" dirty="0">
-              <a:latin typeface="+mj-lt"/>
-            </a:endParaRPr>
-          </a:p>
-          <a:p>
-            <a:pPr marL="0" indent="0">
-              <a:buNone/>
-            </a:pPr>
-            <a:r>
-              <a:rPr lang="en-GB" dirty="0">
-                <a:latin typeface="+mj-lt"/>
-              </a:rPr>
-              <a:t>Key Segments</a:t>
-            </a:r>
-          </a:p>
-          <a:p>
-            <a:r>
-              <a:rPr lang="en-GB" dirty="0"/>
-              <a:t>New &amp; Returning Users</a:t>
-            </a:r>
-          </a:p>
-          <a:p>
-            <a:r>
-              <a:rPr lang="en-GB" dirty="0"/>
-              <a:t>Paid Traffic Users (Google Shopping, Paid Social, &amp; PPC Traffic)</a:t>
-            </a:r>
-          </a:p>
-          <a:p>
-            <a:r>
-              <a:rPr lang="en-GB" dirty="0"/>
-              <a:t>Users that land</a:t>
-            </a:r>
-            <a:r>
-              <a:rPr lang="en-GB" i="1" dirty="0"/>
-              <a:t> </a:t>
-            </a:r>
-            <a:r>
-              <a:rPr lang="en-GB" dirty="0"/>
-              <a:t>on a PDP </a:t>
-            </a:r>
-            <a:r>
-              <a:rPr lang="en-GB" i="1" dirty="0"/>
-              <a:t> (the first page visited)</a:t>
-            </a:r>
-            <a:endParaRPr lang="en-GB" dirty="0"/>
-          </a:p>
-        </p:txBody>
-      </p:sp>
-      <p:sp>
-        <p:nvSpPr>
-          <p:cNvPr id="9" name="Text Placeholder 8">
-            <a:extLst>
-              <a:ext uri="{FF2B5EF4-FFF2-40B4-BE49-F238E27FC236}">
-                <a16:creationId xmlns:a16="http://schemas.microsoft.com/office/drawing/2014/main" id="{0267184E-C117-411A-92E8-A63E049F9349}"/>
-              </a:ext>
-            </a:extLst>
-          </p:cNvPr>
-          <p:cNvSpPr>
-            <a:spLocks noGrp="1"/>
-          </p:cNvSpPr>
-          <p:nvPr>
-            <p:ph type="body" sz="quarter" idx="14"/>
-          </p:nvPr>
-        </p:nvSpPr>
-        <p:spPr/>
-        <p:txBody>
-          <a:bodyPr/>
-          <a:lstStyle/>
-          <a:p>
-            <a:r>
-              <a:rPr lang="en-GB"/>
-              <a:t>Key Metrics &amp; Segments</a:t>
-            </a:r>
-          </a:p>
-        </p:txBody>
-      </p:sp>
+              <a:t>Checkout Delivery Selection</a:t>
+            </a:r>
+          </a:p>
+        </p:txBody>
+      </p:sp>
+      <p:pic>
+        <p:nvPicPr>
+          <p:cNvPr id="12" name="Picture Placeholder 5" descr="Graphical user interface, text, application, chat or text message&#10;&#10;Description automatically generated">
+            <a:extLst>
+              <a:ext uri="{FF2B5EF4-FFF2-40B4-BE49-F238E27FC236}">
+                <a16:creationId xmlns:a16="http://schemas.microsoft.com/office/drawing/2014/main" id="{973E4A12-E721-4627-A26D-209974D6EC14}"/>
+              </a:ext>
+            </a:extLst>
+          </p:cNvPr>
+          <p:cNvPicPr>
+            <a:picLocks noGrp="1" noChangeAspect="1"/>
+          </p:cNvPicPr>
+          <p:nvPr>
+            <p:ph type="pic" sz="quarter" idx="13"/>
+          </p:nvPr>
+        </p:nvPicPr>
+        <p:blipFill rotWithShape="1">
+          <a:blip r:embed="rId3">
+            <a:extLst>
+              <a:ext uri="{28A0092B-C50C-407E-A947-70E740481C1C}">
+                <a14:useLocalDpi xmlns:a14="http://schemas.microsoft.com/office/drawing/2010/main" val="0"/>
+              </a:ext>
+            </a:extLst>
+          </a:blip>
+          <a:srcRect t="26146" b="26146"/>
+          <a:stretch/>
+        </p:blipFill>
+        <p:spPr>
+          <a:xfrm>
+            <a:off x="1639888" y="1611313"/>
+            <a:ext cx="2025650" cy="4394200"/>
+          </a:xfrm>
+          <a:prstGeom prst="roundRect">
+            <a:avLst>
+              <a:gd name="adj" fmla="val 8857"/>
+            </a:avLst>
+          </a:prstGeom>
+        </p:spPr>
+      </p:pic>
+      <p:pic>
+        <p:nvPicPr>
+          <p:cNvPr id="13" name="Picture Placeholder 6">
+            <a:extLst>
+              <a:ext uri="{FF2B5EF4-FFF2-40B4-BE49-F238E27FC236}">
+                <a16:creationId xmlns:a16="http://schemas.microsoft.com/office/drawing/2014/main" id="{5730FF6C-1AA0-4A0A-A1EA-81BBE14E6BCE}"/>
+              </a:ext>
+            </a:extLst>
+          </p:cNvPr>
+          <p:cNvPicPr>
+            <a:picLocks noGrp="1" noChangeAspect="1"/>
+          </p:cNvPicPr>
+          <p:nvPr>
+            <p:ph type="pic" sz="quarter" idx="15"/>
+          </p:nvPr>
+        </p:nvPicPr>
+        <p:blipFill rotWithShape="1">
+          <a:blip r:embed="rId4"/>
+          <a:srcRect l="256" r="256"/>
+          <a:stretch/>
+        </p:blipFill>
+        <p:spPr>
+          <a:xfrm>
+            <a:off x="5086350" y="1611313"/>
+            <a:ext cx="2025650" cy="4394200"/>
+          </a:xfrm>
+          <a:prstGeom prst="roundRect">
+            <a:avLst>
+              <a:gd name="adj" fmla="val 9508"/>
+            </a:avLst>
+          </a:prstGeom>
+        </p:spPr>
+      </p:pic>
     </p:spTree>
     <p:extLst>
       <p:ext uri="{BB962C8B-B14F-4D97-AF65-F5344CB8AC3E}">
-        <p14:creationId xmlns:p14="http://schemas.microsoft.com/office/powerpoint/2010/main" val="2540369368"/>
+        <p14:creationId xmlns:p14="http://schemas.microsoft.com/office/powerpoint/2010/main" val="3667417763"/>
       </p:ext>
     </p:extLst>
   </p:cSld>
@@ -9196,18 +11019,18 @@
 </file>
 
 <file path=customXml/item1.xml><?xml version="1.0" encoding="utf-8"?>
-<p:properties xmlns:p="http://schemas.microsoft.com/office/2006/metadata/properties" xmlns:xsi="http://www.w3.org/2001/XMLSchema-instance" xmlns:pc="http://schemas.microsoft.com/office/infopath/2007/PartnerControls">
-  <documentManagement/>
-</p:properties>
-</file>
-
-<file path=customXml/item2.xml><?xml version="1.0" encoding="utf-8"?>
 <?mso-contentType ?>
 <FormTemplates xmlns="http://schemas.microsoft.com/sharepoint/v3/contenttype/forms">
   <Display>DocumentLibraryForm</Display>
   <Edit>DocumentLibraryForm</Edit>
   <New>DocumentLibraryForm</New>
 </FormTemplates>
+</file>
+
+<file path=customXml/item2.xml><?xml version="1.0" encoding="utf-8"?>
+<p:properties xmlns:p="http://schemas.microsoft.com/office/2006/metadata/properties" xmlns:xsi="http://www.w3.org/2001/XMLSchema-instance" xmlns:pc="http://schemas.microsoft.com/office/infopath/2007/PartnerControls">
+  <documentManagement/>
+</p:properties>
 </file>
 
 <file path=customXml/item3.xml><?xml version="1.0" encoding="utf-8"?>
@@ -9434,26 +11257,26 @@
 </file>
 
 <file path=customXml/itemProps1.xml><?xml version="1.0" encoding="utf-8"?>
+<ds:datastoreItem xmlns:ds="http://schemas.openxmlformats.org/officeDocument/2006/customXml" ds:itemID="{B16D5D53-D1FC-441D-811C-377D52822B73}">
+  <ds:schemaRefs>
+    <ds:schemaRef ds:uri="http://schemas.microsoft.com/sharepoint/v3/contenttype/forms"/>
+  </ds:schemaRefs>
+</ds:datastoreItem>
+</file>
+
+<file path=customXml/itemProps2.xml><?xml version="1.0" encoding="utf-8"?>
 <ds:datastoreItem xmlns:ds="http://schemas.openxmlformats.org/officeDocument/2006/customXml" ds:itemID="{D0B8DF27-E1C1-47BE-9F10-34CA53C7994B}">
   <ds:schemaRefs>
-    <ds:schemaRef ds:uri="http://purl.org/dc/terms/"/>
     <ds:schemaRef ds:uri="70064cff-d32e-4429-839e-fabbd6ca2b1a"/>
     <ds:schemaRef ds:uri="http://purl.org/dc/dcmitype/"/>
     <ds:schemaRef ds:uri="http://schemas.microsoft.com/office/infopath/2007/PartnerControls"/>
     <ds:schemaRef ds:uri="http://purl.org/dc/elements/1.1/"/>
     <ds:schemaRef ds:uri="http://schemas.microsoft.com/office/2006/metadata/properties"/>
+    <ds:schemaRef ds:uri="cb9dd0e4-9cad-4ff4-9598-714ae8fc348e"/>
     <ds:schemaRef ds:uri="http://schemas.microsoft.com/office/2006/documentManagement/types"/>
+    <ds:schemaRef ds:uri="http://purl.org/dc/terms/"/>
     <ds:schemaRef ds:uri="http://schemas.openxmlformats.org/package/2006/metadata/core-properties"/>
-    <ds:schemaRef ds:uri="cb9dd0e4-9cad-4ff4-9598-714ae8fc348e"/>
     <ds:schemaRef ds:uri="http://www.w3.org/XML/1998/namespace"/>
-  </ds:schemaRefs>
-</ds:datastoreItem>
-</file>
-
-<file path=customXml/itemProps2.xml><?xml version="1.0" encoding="utf-8"?>
-<ds:datastoreItem xmlns:ds="http://schemas.openxmlformats.org/officeDocument/2006/customXml" ds:itemID="{B16D5D53-D1FC-441D-811C-377D52822B73}">
-  <ds:schemaRefs>
-    <ds:schemaRef ds:uri="http://schemas.microsoft.com/sharepoint/v3/contenttype/forms"/>
   </ds:schemaRefs>
 </ds:datastoreItem>
 </file>
